--- a/slides/01.Ngoc_260127.pptx
+++ b/slides/01.Ngoc_260127.pptx
@@ -4,12 +4,16 @@
   <p:sldMasterIdLst>
     <p:sldMasterId id="2147483648" r:id="rId1"/>
   </p:sldMasterIdLst>
+  <p:notesMasterIdLst>
+    <p:notesMasterId r:id="rId8"/>
+  </p:notesMasterIdLst>
   <p:sldIdLst>
     <p:sldId id="256" r:id="rId2"/>
-    <p:sldId id="257" r:id="rId3"/>
-    <p:sldId id="258" r:id="rId4"/>
-    <p:sldId id="259" r:id="rId5"/>
-    <p:sldId id="260" r:id="rId6"/>
+    <p:sldId id="258" r:id="rId3"/>
+    <p:sldId id="257" r:id="rId4"/>
+    <p:sldId id="260" r:id="rId5"/>
+    <p:sldId id="261" r:id="rId6"/>
+    <p:sldId id="262" r:id="rId7"/>
   </p:sldIdLst>
   <p:sldSz cx="12192000" cy="6858000"/>
   <p:notesSz cx="6858000" cy="9144000"/>
@@ -108,6 +112,11 @@
       </a:defRPr>
     </a:lvl9pPr>
   </p:defaultTextStyle>
+  <p:extLst>
+    <p:ext uri="{EFAFB233-063F-42B5-8137-9DF3F51BA10A}">
+      <p15:sldGuideLst xmlns:p15="http://schemas.microsoft.com/office/powerpoint/2012/main"/>
+    </p:ext>
+  </p:extLst>
 </p:presentation>
 </file>
 
@@ -192,6 +201,895 @@
 </pc:chgInfo>
 </file>
 
+<file path=ppt/notesMasters/notesMaster1.xml><?xml version="1.0" encoding="utf-8"?>
+<p:notesMaster xmlns:a="http://schemas.openxmlformats.org/drawingml/2006/main" xmlns:r="http://schemas.openxmlformats.org/officeDocument/2006/relationships" xmlns:p="http://schemas.openxmlformats.org/presentationml/2006/main">
+  <p:cSld>
+    <p:bg>
+      <p:bgRef idx="1001">
+        <a:schemeClr val="bg1"/>
+      </p:bgRef>
+    </p:bg>
+    <p:spTree>
+      <p:nvGrpSpPr>
+        <p:cNvPr id="1" name=""/>
+        <p:cNvGrpSpPr/>
+        <p:nvPr/>
+      </p:nvGrpSpPr>
+      <p:grpSpPr>
+        <a:xfrm>
+          <a:off x="0" y="0"/>
+          <a:ext cx="0" cy="0"/>
+          <a:chOff x="0" y="0"/>
+          <a:chExt cx="0" cy="0"/>
+        </a:xfrm>
+      </p:grpSpPr>
+      <p:sp>
+        <p:nvSpPr>
+          <p:cNvPr id="2" name="Header Placeholder 1"/>
+          <p:cNvSpPr>
+            <a:spLocks noGrp="1"/>
+          </p:cNvSpPr>
+          <p:nvPr>
+            <p:ph type="hdr" sz="quarter"/>
+          </p:nvPr>
+        </p:nvSpPr>
+        <p:spPr>
+          <a:xfrm>
+            <a:off x="0" y="0"/>
+            <a:ext cx="2971800" cy="458788"/>
+          </a:xfrm>
+          <a:prstGeom prst="rect">
+            <a:avLst/>
+          </a:prstGeom>
+        </p:spPr>
+        <p:txBody>
+          <a:bodyPr vert="horz" lIns="91440" tIns="45720" rIns="91440" bIns="45720" rtlCol="0"/>
+          <a:lstStyle>
+            <a:lvl1pPr algn="l">
+              <a:defRPr sz="1200"/>
+            </a:lvl1pPr>
+          </a:lstStyle>
+          <a:p>
+            <a:endParaRPr/>
+          </a:p>
+        </p:txBody>
+      </p:sp>
+      <p:sp>
+        <p:nvSpPr>
+          <p:cNvPr id="3" name="Date Placeholder 2"/>
+          <p:cNvSpPr>
+            <a:spLocks noGrp="1"/>
+          </p:cNvSpPr>
+          <p:nvPr>
+            <p:ph type="dt" idx="1"/>
+          </p:nvPr>
+        </p:nvSpPr>
+        <p:spPr>
+          <a:xfrm>
+            <a:off x="3884613" y="0"/>
+            <a:ext cx="2971800" cy="458788"/>
+          </a:xfrm>
+          <a:prstGeom prst="rect">
+            <a:avLst/>
+          </a:prstGeom>
+        </p:spPr>
+        <p:txBody>
+          <a:bodyPr vert="horz" lIns="91440" tIns="45720" rIns="91440" bIns="45720" rtlCol="0"/>
+          <a:lstStyle>
+            <a:lvl1pPr algn="r">
+              <a:defRPr sz="1200"/>
+            </a:lvl1pPr>
+          </a:lstStyle>
+          <a:p>
+            <a:fld id="{313A67CE-EF97-544F-B768-346902557B9A}" type="datetimeFigureOut">
+              <a:rPr lang="en-FR" smtClean="0"/>
+              <a:t>26/01/2026</a:t>
+            </a:fld>
+            <a:endParaRPr/>
+          </a:p>
+        </p:txBody>
+      </p:sp>
+      <p:sp>
+        <p:nvSpPr>
+          <p:cNvPr id="4" name="Slide Image Placeholder 3"/>
+          <p:cNvSpPr>
+            <a:spLocks noGrp="1" noRot="1" noChangeAspect="1"/>
+          </p:cNvSpPr>
+          <p:nvPr>
+            <p:ph type="sldImg" idx="2"/>
+          </p:nvPr>
+        </p:nvSpPr>
+        <p:spPr>
+          <a:xfrm>
+            <a:off x="685800" y="1143000"/>
+            <a:ext cx="5486400" cy="3086100"/>
+          </a:xfrm>
+          <a:prstGeom prst="rect">
+            <a:avLst/>
+          </a:prstGeom>
+          <a:noFill/>
+          <a:ln w="12700">
+            <a:solidFill>
+              <a:prstClr val="black"/>
+            </a:solidFill>
+          </a:ln>
+        </p:spPr>
+        <p:txBody>
+          <a:bodyPr vert="horz" lIns="91440" tIns="45720" rIns="91440" bIns="45720" rtlCol="0" anchor="ctr"/>
+          <a:lstStyle/>
+          <a:p>
+            <a:endParaRPr/>
+          </a:p>
+        </p:txBody>
+      </p:sp>
+      <p:sp>
+        <p:nvSpPr>
+          <p:cNvPr id="5" name="Notes Placeholder 4"/>
+          <p:cNvSpPr>
+            <a:spLocks noGrp="1"/>
+          </p:cNvSpPr>
+          <p:nvPr>
+            <p:ph type="body" sz="quarter" idx="3"/>
+          </p:nvPr>
+        </p:nvSpPr>
+        <p:spPr>
+          <a:xfrm>
+            <a:off x="685800" y="4400550"/>
+            <a:ext cx="5486400" cy="3600450"/>
+          </a:xfrm>
+          <a:prstGeom prst="rect">
+            <a:avLst/>
+          </a:prstGeom>
+        </p:spPr>
+        <p:txBody>
+          <a:bodyPr vert="horz" lIns="91440" tIns="45720" rIns="91440" bIns="45720" rtlCol="0"/>
+          <a:lstStyle/>
+          <a:p>
+            <a:pPr lvl="0"/>
+            <a:r>
+              <a:rPr lang="en-GB"/>
+              <a:t>Click to edit Master text styles</a:t>
+            </a:r>
+          </a:p>
+          <a:p>
+            <a:pPr lvl="1"/>
+            <a:r>
+              <a:rPr lang="en-GB"/>
+              <a:t>Second level</a:t>
+            </a:r>
+          </a:p>
+          <a:p>
+            <a:pPr lvl="2"/>
+            <a:r>
+              <a:rPr lang="en-GB"/>
+              <a:t>Third level</a:t>
+            </a:r>
+          </a:p>
+          <a:p>
+            <a:pPr lvl="3"/>
+            <a:r>
+              <a:rPr lang="en-GB"/>
+              <a:t>Fourth level</a:t>
+            </a:r>
+          </a:p>
+          <a:p>
+            <a:pPr lvl="4"/>
+            <a:r>
+              <a:rPr lang="en-GB"/>
+              <a:t>Fifth level</a:t>
+            </a:r>
+            <a:endParaRPr/>
+          </a:p>
+        </p:txBody>
+      </p:sp>
+      <p:sp>
+        <p:nvSpPr>
+          <p:cNvPr id="6" name="Footer Placeholder 5"/>
+          <p:cNvSpPr>
+            <a:spLocks noGrp="1"/>
+          </p:cNvSpPr>
+          <p:nvPr>
+            <p:ph type="ftr" sz="quarter" idx="4"/>
+          </p:nvPr>
+        </p:nvSpPr>
+        <p:spPr>
+          <a:xfrm>
+            <a:off x="0" y="8685213"/>
+            <a:ext cx="2971800" cy="458787"/>
+          </a:xfrm>
+          <a:prstGeom prst="rect">
+            <a:avLst/>
+          </a:prstGeom>
+        </p:spPr>
+        <p:txBody>
+          <a:bodyPr vert="horz" lIns="91440" tIns="45720" rIns="91440" bIns="45720" rtlCol="0" anchor="b"/>
+          <a:lstStyle>
+            <a:lvl1pPr algn="l">
+              <a:defRPr sz="1200"/>
+            </a:lvl1pPr>
+          </a:lstStyle>
+          <a:p>
+            <a:endParaRPr/>
+          </a:p>
+        </p:txBody>
+      </p:sp>
+      <p:sp>
+        <p:nvSpPr>
+          <p:cNvPr id="7" name="Slide Number Placeholder 6"/>
+          <p:cNvSpPr>
+            <a:spLocks noGrp="1"/>
+          </p:cNvSpPr>
+          <p:nvPr>
+            <p:ph type="sldNum" sz="quarter" idx="5"/>
+          </p:nvPr>
+        </p:nvSpPr>
+        <p:spPr>
+          <a:xfrm>
+            <a:off x="3884613" y="8685213"/>
+            <a:ext cx="2971800" cy="458787"/>
+          </a:xfrm>
+          <a:prstGeom prst="rect">
+            <a:avLst/>
+          </a:prstGeom>
+        </p:spPr>
+        <p:txBody>
+          <a:bodyPr vert="horz" lIns="91440" tIns="45720" rIns="91440" bIns="45720" rtlCol="0" anchor="b"/>
+          <a:lstStyle>
+            <a:lvl1pPr algn="r">
+              <a:defRPr sz="1200"/>
+            </a:lvl1pPr>
+          </a:lstStyle>
+          <a:p>
+            <a:fld id="{04122C1E-E80F-A640-B315-198965FACDF5}" type="slidenum">
+              <a:rPr lang="en-FR" smtClean="0"/>
+              <a:t>‹#›</a:t>
+            </a:fld>
+            <a:endParaRPr/>
+          </a:p>
+        </p:txBody>
+      </p:sp>
+    </p:spTree>
+    <p:extLst>
+      <p:ext uri="{BB962C8B-B14F-4D97-AF65-F5344CB8AC3E}">
+        <p14:creationId xmlns:p14="http://schemas.microsoft.com/office/powerpoint/2010/main" val="3888820923"/>
+      </p:ext>
+    </p:extLst>
+  </p:cSld>
+  <p:clrMap bg1="lt1" tx1="dk1" bg2="lt2" tx2="dk2" accent1="accent1" accent2="accent2" accent3="accent3" accent4="accent4" accent5="accent5" accent6="accent6" hlink="hlink" folHlink="folHlink"/>
+  <p:notesStyle>
+    <a:lvl1pPr marL="0" algn="l" defTabSz="914400" rtl="0" eaLnBrk="1" latinLnBrk="0" hangingPunct="1">
+      <a:defRPr sz="1200" kern="1200">
+        <a:solidFill>
+          <a:schemeClr val="tx1"/>
+        </a:solidFill>
+        <a:latin typeface="+mn-lt"/>
+        <a:ea typeface="+mn-ea"/>
+        <a:cs typeface="+mn-cs"/>
+      </a:defRPr>
+    </a:lvl1pPr>
+    <a:lvl2pPr marL="457200" algn="l" defTabSz="914400" rtl="0" eaLnBrk="1" latinLnBrk="0" hangingPunct="1">
+      <a:defRPr sz="1200" kern="1200">
+        <a:solidFill>
+          <a:schemeClr val="tx1"/>
+        </a:solidFill>
+        <a:latin typeface="+mn-lt"/>
+        <a:ea typeface="+mn-ea"/>
+        <a:cs typeface="+mn-cs"/>
+      </a:defRPr>
+    </a:lvl2pPr>
+    <a:lvl3pPr marL="914400" algn="l" defTabSz="914400" rtl="0" eaLnBrk="1" latinLnBrk="0" hangingPunct="1">
+      <a:defRPr sz="1200" kern="1200">
+        <a:solidFill>
+          <a:schemeClr val="tx1"/>
+        </a:solidFill>
+        <a:latin typeface="+mn-lt"/>
+        <a:ea typeface="+mn-ea"/>
+        <a:cs typeface="+mn-cs"/>
+      </a:defRPr>
+    </a:lvl3pPr>
+    <a:lvl4pPr marL="1371600" algn="l" defTabSz="914400" rtl="0" eaLnBrk="1" latinLnBrk="0" hangingPunct="1">
+      <a:defRPr sz="1200" kern="1200">
+        <a:solidFill>
+          <a:schemeClr val="tx1"/>
+        </a:solidFill>
+        <a:latin typeface="+mn-lt"/>
+        <a:ea typeface="+mn-ea"/>
+        <a:cs typeface="+mn-cs"/>
+      </a:defRPr>
+    </a:lvl4pPr>
+    <a:lvl5pPr marL="1828800" algn="l" defTabSz="914400" rtl="0" eaLnBrk="1" latinLnBrk="0" hangingPunct="1">
+      <a:defRPr sz="1200" kern="1200">
+        <a:solidFill>
+          <a:schemeClr val="tx1"/>
+        </a:solidFill>
+        <a:latin typeface="+mn-lt"/>
+        <a:ea typeface="+mn-ea"/>
+        <a:cs typeface="+mn-cs"/>
+      </a:defRPr>
+    </a:lvl5pPr>
+    <a:lvl6pPr marL="2286000" algn="l" defTabSz="914400" rtl="0" eaLnBrk="1" latinLnBrk="0" hangingPunct="1">
+      <a:defRPr sz="1200" kern="1200">
+        <a:solidFill>
+          <a:schemeClr val="tx1"/>
+        </a:solidFill>
+        <a:latin typeface="+mn-lt"/>
+        <a:ea typeface="+mn-ea"/>
+        <a:cs typeface="+mn-cs"/>
+      </a:defRPr>
+    </a:lvl6pPr>
+    <a:lvl7pPr marL="2743200" algn="l" defTabSz="914400" rtl="0" eaLnBrk="1" latinLnBrk="0" hangingPunct="1">
+      <a:defRPr sz="1200" kern="1200">
+        <a:solidFill>
+          <a:schemeClr val="tx1"/>
+        </a:solidFill>
+        <a:latin typeface="+mn-lt"/>
+        <a:ea typeface="+mn-ea"/>
+        <a:cs typeface="+mn-cs"/>
+      </a:defRPr>
+    </a:lvl7pPr>
+    <a:lvl8pPr marL="3200400" algn="l" defTabSz="914400" rtl="0" eaLnBrk="1" latinLnBrk="0" hangingPunct="1">
+      <a:defRPr sz="1200" kern="1200">
+        <a:solidFill>
+          <a:schemeClr val="tx1"/>
+        </a:solidFill>
+        <a:latin typeface="+mn-lt"/>
+        <a:ea typeface="+mn-ea"/>
+        <a:cs typeface="+mn-cs"/>
+      </a:defRPr>
+    </a:lvl8pPr>
+    <a:lvl9pPr marL="3657600" algn="l" defTabSz="914400" rtl="0" eaLnBrk="1" latinLnBrk="0" hangingPunct="1">
+      <a:defRPr sz="1200" kern="1200">
+        <a:solidFill>
+          <a:schemeClr val="tx1"/>
+        </a:solidFill>
+        <a:latin typeface="+mn-lt"/>
+        <a:ea typeface="+mn-ea"/>
+        <a:cs typeface="+mn-cs"/>
+      </a:defRPr>
+    </a:lvl9pPr>
+  </p:notesStyle>
+</p:notesMaster>
+</file>
+
+<file path=ppt/notesSlides/notesSlide1.xml><?xml version="1.0" encoding="utf-8"?>
+<p:notes xmlns:a="http://schemas.openxmlformats.org/drawingml/2006/main" xmlns:r="http://schemas.openxmlformats.org/officeDocument/2006/relationships" xmlns:p="http://schemas.openxmlformats.org/presentationml/2006/main">
+  <p:cSld>
+    <p:spTree>
+      <p:nvGrpSpPr>
+        <p:cNvPr id="1" name=""/>
+        <p:cNvGrpSpPr/>
+        <p:nvPr/>
+      </p:nvGrpSpPr>
+      <p:grpSpPr>
+        <a:xfrm>
+          <a:off x="0" y="0"/>
+          <a:ext cx="0" cy="0"/>
+          <a:chOff x="0" y="0"/>
+          <a:chExt cx="0" cy="0"/>
+        </a:xfrm>
+      </p:grpSpPr>
+      <p:sp>
+        <p:nvSpPr>
+          <p:cNvPr id="2" name="Slide Image Placeholder 1"/>
+          <p:cNvSpPr>
+            <a:spLocks noGrp="1" noRot="1" noChangeAspect="1"/>
+          </p:cNvSpPr>
+          <p:nvPr>
+            <p:ph type="sldImg"/>
+          </p:nvPr>
+        </p:nvSpPr>
+        <p:spPr/>
+      </p:sp>
+      <p:sp>
+        <p:nvSpPr>
+          <p:cNvPr id="3" name="Notes Placeholder 2"/>
+          <p:cNvSpPr>
+            <a:spLocks noGrp="1"/>
+          </p:cNvSpPr>
+          <p:nvPr>
+            <p:ph type="body" idx="1"/>
+          </p:nvPr>
+        </p:nvSpPr>
+        <p:spPr/>
+        <p:txBody>
+          <a:bodyPr/>
+          <a:lstStyle/>
+          <a:p>
+            <a:pPr marL="0" marR="0" lvl="0" indent="0" algn="l" defTabSz="914400" rtl="0" eaLnBrk="1" fontAlgn="auto" latinLnBrk="0" hangingPunct="1">
+              <a:lnSpc>
+                <a:spcPct val="100000"/>
+              </a:lnSpc>
+              <a:spcBef>
+                <a:spcPts val="0"/>
+              </a:spcBef>
+              <a:spcAft>
+                <a:spcPts val="0"/>
+              </a:spcAft>
+              <a:buClrTx/>
+              <a:buSzTx/>
+              <a:buFontTx/>
+              <a:buNone/>
+              <a:tabLst/>
+              <a:defRPr/>
+            </a:pPr>
+            <a:r>
+              <a:rPr lang="en-GB" sz="1200" dirty="0">
+                <a:latin typeface="Arial" panose="020B0604020202020204" pitchFamily="34" charset="0"/>
+                <a:cs typeface="Arial" panose="020B0604020202020204" pitchFamily="34" charset="0"/>
+              </a:rPr>
+              <a:t>Contains bulk RNA-</a:t>
+            </a:r>
+            <a:r>
+              <a:rPr lang="en-GB" sz="1200" dirty="0" err="1">
+                <a:latin typeface="Arial" panose="020B0604020202020204" pitchFamily="34" charset="0"/>
+                <a:cs typeface="Arial" panose="020B0604020202020204" pitchFamily="34" charset="0"/>
+              </a:rPr>
+              <a:t>seq</a:t>
+            </a:r>
+            <a:r>
+              <a:rPr lang="en-GB" sz="1200" dirty="0">
+                <a:latin typeface="Arial" panose="020B0604020202020204" pitchFamily="34" charset="0"/>
+                <a:cs typeface="Arial" panose="020B0604020202020204" pitchFamily="34" charset="0"/>
+              </a:rPr>
+              <a:t> datasets from different brain regions at different stages </a:t>
+            </a:r>
+            <a:endParaRPr lang="en-US" dirty="0"/>
+          </a:p>
+          <a:p>
+            <a:pPr marL="0" marR="0" lvl="0" indent="0" algn="l" defTabSz="914400" rtl="0" eaLnBrk="1" fontAlgn="auto" latinLnBrk="0" hangingPunct="1">
+              <a:lnSpc>
+                <a:spcPct val="100000"/>
+              </a:lnSpc>
+              <a:spcBef>
+                <a:spcPts val="0"/>
+              </a:spcBef>
+              <a:spcAft>
+                <a:spcPts val="0"/>
+              </a:spcAft>
+              <a:buClrTx/>
+              <a:buSzTx/>
+              <a:buFontTx/>
+              <a:buNone/>
+              <a:tabLst/>
+              <a:defRPr/>
+            </a:pPr>
+            <a:r>
+              <a:rPr lang="en-US" dirty="0"/>
+              <a:t>Vision? Establish a benchmark for future analyses, e.g. cerebellum organoids </a:t>
+            </a:r>
+          </a:p>
+          <a:p>
+            <a:endParaRPr dirty="0"/>
+          </a:p>
+        </p:txBody>
+      </p:sp>
+      <p:sp>
+        <p:nvSpPr>
+          <p:cNvPr id="4" name="Slide Number Placeholder 3"/>
+          <p:cNvSpPr>
+            <a:spLocks noGrp="1"/>
+          </p:cNvSpPr>
+          <p:nvPr>
+            <p:ph type="sldNum" sz="quarter" idx="5"/>
+          </p:nvPr>
+        </p:nvSpPr>
+        <p:spPr/>
+        <p:txBody>
+          <a:bodyPr/>
+          <a:lstStyle/>
+          <a:p>
+            <a:fld id="{04122C1E-E80F-A640-B315-198965FACDF5}" type="slidenum">
+              <a:rPr lang="en-FR" smtClean="0"/>
+              <a:t>1</a:t>
+            </a:fld>
+            <a:endParaRPr lang="en-FR"/>
+          </a:p>
+        </p:txBody>
+      </p:sp>
+    </p:spTree>
+    <p:extLst>
+      <p:ext uri="{BB962C8B-B14F-4D97-AF65-F5344CB8AC3E}">
+        <p14:creationId xmlns:p14="http://schemas.microsoft.com/office/powerpoint/2010/main" val="4228547924"/>
+      </p:ext>
+    </p:extLst>
+  </p:cSld>
+  <p:clrMapOvr>
+    <a:masterClrMapping/>
+  </p:clrMapOvr>
+</p:notes>
+</file>
+
+<file path=ppt/notesSlides/notesSlide2.xml><?xml version="1.0" encoding="utf-8"?>
+<p:notes xmlns:a="http://schemas.openxmlformats.org/drawingml/2006/main" xmlns:r="http://schemas.openxmlformats.org/officeDocument/2006/relationships" xmlns:p="http://schemas.openxmlformats.org/presentationml/2006/main">
+  <p:cSld>
+    <p:spTree>
+      <p:nvGrpSpPr>
+        <p:cNvPr id="1" name=""/>
+        <p:cNvGrpSpPr/>
+        <p:nvPr/>
+      </p:nvGrpSpPr>
+      <p:grpSpPr>
+        <a:xfrm>
+          <a:off x="0" y="0"/>
+          <a:ext cx="0" cy="0"/>
+          <a:chOff x="0" y="0"/>
+          <a:chExt cx="0" cy="0"/>
+        </a:xfrm>
+      </p:grpSpPr>
+      <p:sp>
+        <p:nvSpPr>
+          <p:cNvPr id="2" name="Slide Image Placeholder 1"/>
+          <p:cNvSpPr>
+            <a:spLocks noGrp="1" noRot="1" noChangeAspect="1"/>
+          </p:cNvSpPr>
+          <p:nvPr>
+            <p:ph type="sldImg"/>
+          </p:nvPr>
+        </p:nvSpPr>
+        <p:spPr/>
+      </p:sp>
+      <p:sp>
+        <p:nvSpPr>
+          <p:cNvPr id="3" name="Notes Placeholder 2"/>
+          <p:cNvSpPr>
+            <a:spLocks noGrp="1"/>
+          </p:cNvSpPr>
+          <p:nvPr>
+            <p:ph type="body" idx="1"/>
+          </p:nvPr>
+        </p:nvSpPr>
+        <p:spPr/>
+        <p:txBody>
+          <a:bodyPr/>
+          <a:lstStyle/>
+          <a:p>
+            <a:pPr marL="0" marR="0" lvl="0" indent="0" algn="l" defTabSz="914400" rtl="0" eaLnBrk="1" fontAlgn="auto" latinLnBrk="0" hangingPunct="1">
+              <a:lnSpc>
+                <a:spcPct val="100000"/>
+              </a:lnSpc>
+              <a:spcBef>
+                <a:spcPts val="0"/>
+              </a:spcBef>
+              <a:spcAft>
+                <a:spcPts val="0"/>
+              </a:spcAft>
+              <a:buClrTx/>
+              <a:buSzTx/>
+              <a:buFontTx/>
+              <a:buNone/>
+              <a:tabLst/>
+              <a:defRPr/>
+            </a:pPr>
+            <a:r>
+              <a:rPr lang="fr-FR" sz="1200" dirty="0" err="1"/>
+              <a:t>Metadata</a:t>
+            </a:r>
+            <a:r>
+              <a:rPr lang="fr-FR" sz="1200" dirty="0"/>
+              <a:t> </a:t>
+            </a:r>
+            <a:r>
+              <a:rPr lang="fr-FR" sz="1200" dirty="0" err="1"/>
+              <a:t>consistency</a:t>
+            </a:r>
+            <a:r>
+              <a:rPr lang="fr-FR" sz="1200" dirty="0"/>
+              <a:t> check</a:t>
+            </a:r>
+          </a:p>
+          <a:p>
+            <a:endParaRPr dirty="0"/>
+          </a:p>
+        </p:txBody>
+      </p:sp>
+      <p:sp>
+        <p:nvSpPr>
+          <p:cNvPr id="4" name="Slide Number Placeholder 3"/>
+          <p:cNvSpPr>
+            <a:spLocks noGrp="1"/>
+          </p:cNvSpPr>
+          <p:nvPr>
+            <p:ph type="sldNum" sz="quarter" idx="5"/>
+          </p:nvPr>
+        </p:nvSpPr>
+        <p:spPr/>
+        <p:txBody>
+          <a:bodyPr/>
+          <a:lstStyle/>
+          <a:p>
+            <a:fld id="{04122C1E-E80F-A640-B315-198965FACDF5}" type="slidenum">
+              <a:rPr lang="en-FR" smtClean="0"/>
+              <a:t>2</a:t>
+            </a:fld>
+            <a:endParaRPr lang="en-FR"/>
+          </a:p>
+        </p:txBody>
+      </p:sp>
+    </p:spTree>
+    <p:extLst>
+      <p:ext uri="{BB962C8B-B14F-4D97-AF65-F5344CB8AC3E}">
+        <p14:creationId xmlns:p14="http://schemas.microsoft.com/office/powerpoint/2010/main" val="2221930256"/>
+      </p:ext>
+    </p:extLst>
+  </p:cSld>
+  <p:clrMapOvr>
+    <a:masterClrMapping/>
+  </p:clrMapOvr>
+</p:notes>
+</file>
+
+<file path=ppt/notesSlides/notesSlide3.xml><?xml version="1.0" encoding="utf-8"?>
+<p:notes xmlns:a="http://schemas.openxmlformats.org/drawingml/2006/main" xmlns:r="http://schemas.openxmlformats.org/officeDocument/2006/relationships" xmlns:p="http://schemas.openxmlformats.org/presentationml/2006/main">
+  <p:cSld>
+    <p:spTree>
+      <p:nvGrpSpPr>
+        <p:cNvPr id="1" name=""/>
+        <p:cNvGrpSpPr/>
+        <p:nvPr/>
+      </p:nvGrpSpPr>
+      <p:grpSpPr>
+        <a:xfrm>
+          <a:off x="0" y="0"/>
+          <a:ext cx="0" cy="0"/>
+          <a:chOff x="0" y="0"/>
+          <a:chExt cx="0" cy="0"/>
+        </a:xfrm>
+      </p:grpSpPr>
+      <p:sp>
+        <p:nvSpPr>
+          <p:cNvPr id="2" name="Slide Image Placeholder 1"/>
+          <p:cNvSpPr>
+            <a:spLocks noGrp="1" noRot="1" noChangeAspect="1"/>
+          </p:cNvSpPr>
+          <p:nvPr>
+            <p:ph type="sldImg"/>
+          </p:nvPr>
+        </p:nvSpPr>
+        <p:spPr/>
+      </p:sp>
+      <p:sp>
+        <p:nvSpPr>
+          <p:cNvPr id="3" name="Notes Placeholder 2"/>
+          <p:cNvSpPr>
+            <a:spLocks noGrp="1"/>
+          </p:cNvSpPr>
+          <p:nvPr>
+            <p:ph type="body" idx="1"/>
+          </p:nvPr>
+        </p:nvSpPr>
+        <p:spPr/>
+        <p:txBody>
+          <a:bodyPr/>
+          <a:lstStyle/>
+          <a:p>
+            <a:pPr marL="0" marR="0" lvl="0" indent="0" algn="l" defTabSz="914400" rtl="0" eaLnBrk="1" fontAlgn="auto" latinLnBrk="0" hangingPunct="1">
+              <a:lnSpc>
+                <a:spcPct val="100000"/>
+              </a:lnSpc>
+              <a:spcBef>
+                <a:spcPts val="0"/>
+              </a:spcBef>
+              <a:spcAft>
+                <a:spcPts val="0"/>
+              </a:spcAft>
+              <a:buClrTx/>
+              <a:buSzTx/>
+              <a:buFontTx/>
+              <a:buNone/>
+              <a:tabLst/>
+              <a:defRPr/>
+            </a:pPr>
+            <a:endParaRPr lang="fr-FR" sz="1200" dirty="0"/>
+          </a:p>
+          <a:p>
+            <a:pPr marL="0" marR="0" lvl="0" indent="0" algn="l" defTabSz="914400" rtl="0" eaLnBrk="1" fontAlgn="auto" latinLnBrk="0" hangingPunct="1">
+              <a:lnSpc>
+                <a:spcPct val="100000"/>
+              </a:lnSpc>
+              <a:spcBef>
+                <a:spcPts val="0"/>
+              </a:spcBef>
+              <a:spcAft>
+                <a:spcPts val="0"/>
+              </a:spcAft>
+              <a:buClrTx/>
+              <a:buSzTx/>
+              <a:buFontTx/>
+              <a:buNone/>
+              <a:tabLst/>
+              <a:defRPr/>
+            </a:pPr>
+            <a:r>
+              <a:rPr lang="fr-FR" sz="1200" dirty="0"/>
+              <a:t>This </a:t>
+            </a:r>
+            <a:r>
+              <a:rPr lang="fr-FR" sz="1200" dirty="0" err="1"/>
+              <a:t>still</a:t>
+            </a:r>
+            <a:r>
+              <a:rPr lang="fr-FR" sz="1200" dirty="0"/>
+              <a:t> </a:t>
+            </a:r>
+            <a:r>
+              <a:rPr lang="fr-FR" sz="1200" dirty="0" err="1"/>
+              <a:t>contains</a:t>
+            </a:r>
+            <a:r>
+              <a:rPr lang="fr-FR" sz="1200" dirty="0"/>
+              <a:t> 15 </a:t>
+            </a:r>
+            <a:r>
+              <a:rPr lang="fr-FR" sz="1200" dirty="0" err="1"/>
+              <a:t>samples</a:t>
+            </a:r>
+            <a:r>
+              <a:rPr lang="fr-FR" sz="1200" dirty="0"/>
+              <a:t> </a:t>
+            </a:r>
+            <a:r>
+              <a:rPr lang="fr-FR" sz="1200" dirty="0" err="1"/>
+              <a:t>sequenced</a:t>
+            </a:r>
+            <a:r>
+              <a:rPr lang="fr-FR" sz="1200" dirty="0"/>
+              <a:t> in 2 </a:t>
+            </a:r>
+            <a:r>
+              <a:rPr lang="fr-FR" sz="1200" dirty="0" err="1"/>
+              <a:t>batches</a:t>
+            </a:r>
+            <a:endParaRPr lang="fr-FR" sz="1200" dirty="0"/>
+          </a:p>
+          <a:p>
+            <a:endParaRPr dirty="0"/>
+          </a:p>
+        </p:txBody>
+      </p:sp>
+      <p:sp>
+        <p:nvSpPr>
+          <p:cNvPr id="4" name="Slide Number Placeholder 3"/>
+          <p:cNvSpPr>
+            <a:spLocks noGrp="1"/>
+          </p:cNvSpPr>
+          <p:nvPr>
+            <p:ph type="sldNum" sz="quarter" idx="5"/>
+          </p:nvPr>
+        </p:nvSpPr>
+        <p:spPr/>
+        <p:txBody>
+          <a:bodyPr/>
+          <a:lstStyle/>
+          <a:p>
+            <a:fld id="{04122C1E-E80F-A640-B315-198965FACDF5}" type="slidenum">
+              <a:rPr lang="en-FR" smtClean="0"/>
+              <a:t>3</a:t>
+            </a:fld>
+            <a:endParaRPr lang="en-FR"/>
+          </a:p>
+        </p:txBody>
+      </p:sp>
+    </p:spTree>
+    <p:extLst>
+      <p:ext uri="{BB962C8B-B14F-4D97-AF65-F5344CB8AC3E}">
+        <p14:creationId xmlns:p14="http://schemas.microsoft.com/office/powerpoint/2010/main" val="3768898261"/>
+      </p:ext>
+    </p:extLst>
+  </p:cSld>
+  <p:clrMapOvr>
+    <a:masterClrMapping/>
+  </p:clrMapOvr>
+</p:notes>
+</file>
+
+<file path=ppt/notesSlides/notesSlide4.xml><?xml version="1.0" encoding="utf-8"?>
+<p:notes xmlns:a="http://schemas.openxmlformats.org/drawingml/2006/main" xmlns:r="http://schemas.openxmlformats.org/officeDocument/2006/relationships" xmlns:p="http://schemas.openxmlformats.org/presentationml/2006/main">
+  <p:cSld>
+    <p:spTree>
+      <p:nvGrpSpPr>
+        <p:cNvPr id="1" name="">
+          <a:extLst>
+            <a:ext uri="{FF2B5EF4-FFF2-40B4-BE49-F238E27FC236}">
+              <a16:creationId xmlns:a16="http://schemas.microsoft.com/office/drawing/2014/main" id="{A2D47BBA-654E-4D0A-30D3-D45B741DF768}"/>
+            </a:ext>
+          </a:extLst>
+        </p:cNvPr>
+        <p:cNvGrpSpPr/>
+        <p:nvPr/>
+      </p:nvGrpSpPr>
+      <p:grpSpPr>
+        <a:xfrm>
+          <a:off x="0" y="0"/>
+          <a:ext cx="0" cy="0"/>
+          <a:chOff x="0" y="0"/>
+          <a:chExt cx="0" cy="0"/>
+        </a:xfrm>
+      </p:grpSpPr>
+      <p:sp>
+        <p:nvSpPr>
+          <p:cNvPr id="2" name="Slide Image Placeholder 1">
+            <a:extLst>
+              <a:ext uri="{FF2B5EF4-FFF2-40B4-BE49-F238E27FC236}">
+                <a16:creationId xmlns:a16="http://schemas.microsoft.com/office/drawing/2014/main" id="{D8EBBCD2-0AB8-4D2E-7D4E-879B951F0CEC}"/>
+              </a:ext>
+            </a:extLst>
+          </p:cNvPr>
+          <p:cNvSpPr>
+            <a:spLocks noGrp="1" noRot="1" noChangeAspect="1"/>
+          </p:cNvSpPr>
+          <p:nvPr>
+            <p:ph type="sldImg"/>
+          </p:nvPr>
+        </p:nvSpPr>
+        <p:spPr/>
+      </p:sp>
+      <p:sp>
+        <p:nvSpPr>
+          <p:cNvPr id="3" name="Notes Placeholder 2">
+            <a:extLst>
+              <a:ext uri="{FF2B5EF4-FFF2-40B4-BE49-F238E27FC236}">
+                <a16:creationId xmlns:a16="http://schemas.microsoft.com/office/drawing/2014/main" id="{0FEDDA22-AD6D-5846-CB87-9EA80FD347D8}"/>
+              </a:ext>
+            </a:extLst>
+          </p:cNvPr>
+          <p:cNvSpPr>
+            <a:spLocks noGrp="1"/>
+          </p:cNvSpPr>
+          <p:nvPr>
+            <p:ph type="body" idx="1"/>
+          </p:nvPr>
+        </p:nvSpPr>
+        <p:spPr/>
+        <p:txBody>
+          <a:bodyPr/>
+          <a:lstStyle/>
+          <a:p>
+            <a:endParaRPr dirty="0"/>
+          </a:p>
+        </p:txBody>
+      </p:sp>
+      <p:sp>
+        <p:nvSpPr>
+          <p:cNvPr id="4" name="Slide Number Placeholder 3">
+            <a:extLst>
+              <a:ext uri="{FF2B5EF4-FFF2-40B4-BE49-F238E27FC236}">
+                <a16:creationId xmlns:a16="http://schemas.microsoft.com/office/drawing/2014/main" id="{5C2AE2CD-18EE-6374-D8A6-21F340F980F8}"/>
+              </a:ext>
+            </a:extLst>
+          </p:cNvPr>
+          <p:cNvSpPr>
+            <a:spLocks noGrp="1"/>
+          </p:cNvSpPr>
+          <p:nvPr>
+            <p:ph type="sldNum" sz="quarter" idx="5"/>
+          </p:nvPr>
+        </p:nvSpPr>
+        <p:spPr/>
+        <p:txBody>
+          <a:bodyPr/>
+          <a:lstStyle/>
+          <a:p>
+            <a:fld id="{04122C1E-E80F-A640-B315-198965FACDF5}" type="slidenum">
+              <a:rPr lang="en-FR" smtClean="0"/>
+              <a:t>5</a:t>
+            </a:fld>
+            <a:endParaRPr lang="en-FR"/>
+          </a:p>
+        </p:txBody>
+      </p:sp>
+    </p:spTree>
+    <p:extLst>
+      <p:ext uri="{BB962C8B-B14F-4D97-AF65-F5344CB8AC3E}">
+        <p14:creationId xmlns:p14="http://schemas.microsoft.com/office/powerpoint/2010/main" val="4170289422"/>
+      </p:ext>
+    </p:extLst>
+  </p:cSld>
+  <p:clrMapOvr>
+    <a:masterClrMapping/>
+  </p:clrMapOvr>
+</p:notes>
+</file>
+
 <file path=ppt/slideLayouts/slideLayout1.xml><?xml version="1.0" encoding="utf-8"?>
 <p:sldLayout xmlns:a="http://schemas.openxmlformats.org/drawingml/2006/main" xmlns:r="http://schemas.openxmlformats.org/officeDocument/2006/relationships" xmlns:p="http://schemas.openxmlformats.org/presentationml/2006/main" type="title" preserve="1">
   <p:cSld name="Title Slide">
@@ -341,7 +1239,7 @@
           <a:p>
             <a:fld id="{FC18526C-0920-404B-AA75-512C336BB7DF}" type="datetimeFigureOut">
               <a:rPr lang="fr-FR" smtClean="0"/>
-              <a:t>23/01/2026</a:t>
+              <a:t>26/01/2026</a:t>
             </a:fld>
             <a:endParaRPr lang="fr-FR"/>
           </a:p>
@@ -541,7 +1439,7 @@
           <a:p>
             <a:fld id="{FC18526C-0920-404B-AA75-512C336BB7DF}" type="datetimeFigureOut">
               <a:rPr lang="fr-FR" smtClean="0"/>
-              <a:t>23/01/2026</a:t>
+              <a:t>26/01/2026</a:t>
             </a:fld>
             <a:endParaRPr lang="fr-FR"/>
           </a:p>
@@ -751,7 +1649,7 @@
           <a:p>
             <a:fld id="{FC18526C-0920-404B-AA75-512C336BB7DF}" type="datetimeFigureOut">
               <a:rPr lang="fr-FR" smtClean="0"/>
-              <a:t>23/01/2026</a:t>
+              <a:t>26/01/2026</a:t>
             </a:fld>
             <a:endParaRPr lang="fr-FR"/>
           </a:p>
@@ -951,7 +1849,7 @@
           <a:p>
             <a:fld id="{FC18526C-0920-404B-AA75-512C336BB7DF}" type="datetimeFigureOut">
               <a:rPr lang="fr-FR" smtClean="0"/>
-              <a:t>23/01/2026</a:t>
+              <a:t>26/01/2026</a:t>
             </a:fld>
             <a:endParaRPr lang="fr-FR"/>
           </a:p>
@@ -1227,7 +2125,7 @@
           <a:p>
             <a:fld id="{FC18526C-0920-404B-AA75-512C336BB7DF}" type="datetimeFigureOut">
               <a:rPr lang="fr-FR" smtClean="0"/>
-              <a:t>23/01/2026</a:t>
+              <a:t>26/01/2026</a:t>
             </a:fld>
             <a:endParaRPr lang="fr-FR"/>
           </a:p>
@@ -1495,7 +2393,7 @@
           <a:p>
             <a:fld id="{FC18526C-0920-404B-AA75-512C336BB7DF}" type="datetimeFigureOut">
               <a:rPr lang="fr-FR" smtClean="0"/>
-              <a:t>23/01/2026</a:t>
+              <a:t>26/01/2026</a:t>
             </a:fld>
             <a:endParaRPr lang="fr-FR"/>
           </a:p>
@@ -1910,7 +2808,7 @@
           <a:p>
             <a:fld id="{FC18526C-0920-404B-AA75-512C336BB7DF}" type="datetimeFigureOut">
               <a:rPr lang="fr-FR" smtClean="0"/>
-              <a:t>23/01/2026</a:t>
+              <a:t>26/01/2026</a:t>
             </a:fld>
             <a:endParaRPr lang="fr-FR"/>
           </a:p>
@@ -2052,7 +2950,7 @@
           <a:p>
             <a:fld id="{FC18526C-0920-404B-AA75-512C336BB7DF}" type="datetimeFigureOut">
               <a:rPr lang="fr-FR" smtClean="0"/>
-              <a:t>23/01/2026</a:t>
+              <a:t>26/01/2026</a:t>
             </a:fld>
             <a:endParaRPr lang="fr-FR"/>
           </a:p>
@@ -2165,7 +3063,7 @@
           <a:p>
             <a:fld id="{FC18526C-0920-404B-AA75-512C336BB7DF}" type="datetimeFigureOut">
               <a:rPr lang="fr-FR" smtClean="0"/>
-              <a:t>23/01/2026</a:t>
+              <a:t>26/01/2026</a:t>
             </a:fld>
             <a:endParaRPr lang="fr-FR"/>
           </a:p>
@@ -2478,7 +3376,7 @@
           <a:p>
             <a:fld id="{FC18526C-0920-404B-AA75-512C336BB7DF}" type="datetimeFigureOut">
               <a:rPr lang="fr-FR" smtClean="0"/>
-              <a:t>23/01/2026</a:t>
+              <a:t>26/01/2026</a:t>
             </a:fld>
             <a:endParaRPr lang="fr-FR"/>
           </a:p>
@@ -2767,7 +3665,7 @@
           <a:p>
             <a:fld id="{FC18526C-0920-404B-AA75-512C336BB7DF}" type="datetimeFigureOut">
               <a:rPr lang="fr-FR" smtClean="0"/>
-              <a:t>23/01/2026</a:t>
+              <a:t>26/01/2026</a:t>
             </a:fld>
             <a:endParaRPr lang="fr-FR"/>
           </a:p>
@@ -3010,7 +3908,7 @@
           <a:p>
             <a:fld id="{FC18526C-0920-404B-AA75-512C336BB7DF}" type="datetimeFigureOut">
               <a:rPr lang="fr-FR" smtClean="0"/>
-              <a:t>23/01/2026</a:t>
+              <a:t>26/01/2026</a:t>
             </a:fld>
             <a:endParaRPr lang="fr-FR"/>
           </a:p>
@@ -3427,6 +4325,236 @@
           <a:chExt cx="0" cy="0"/>
         </a:xfrm>
       </p:grpSpPr>
+      <p:sp>
+        <p:nvSpPr>
+          <p:cNvPr id="2" name="TextBox 1">
+            <a:extLst>
+              <a:ext uri="{FF2B5EF4-FFF2-40B4-BE49-F238E27FC236}">
+                <a16:creationId xmlns:a16="http://schemas.microsoft.com/office/drawing/2014/main" id="{0F0BAAB2-F145-88FF-A933-99AE31DAC32C}"/>
+              </a:ext>
+            </a:extLst>
+          </p:cNvPr>
+          <p:cNvSpPr txBox="1"/>
+          <p:nvPr/>
+        </p:nvSpPr>
+        <p:spPr>
+          <a:xfrm>
+            <a:off x="2326378" y="1001795"/>
+            <a:ext cx="7539244" cy="707886"/>
+          </a:xfrm>
+          <a:prstGeom prst="rect">
+            <a:avLst/>
+          </a:prstGeom>
+          <a:noFill/>
+        </p:spPr>
+        <p:txBody>
+          <a:bodyPr wrap="none" rtlCol="0">
+            <a:spAutoFit/>
+          </a:bodyPr>
+          <a:lstStyle/>
+          <a:p>
+            <a:pPr algn="ctr"/>
+            <a:r>
+              <a:rPr lang="fr-FR" sz="4000" b="1" dirty="0">
+                <a:solidFill>
+                  <a:srgbClr val="C00000"/>
+                </a:solidFill>
+              </a:rPr>
+              <a:t>Analyses of the HDBR </a:t>
+            </a:r>
+            <a:r>
+              <a:rPr lang="fr-FR" sz="4000" b="1" dirty="0" err="1">
+                <a:solidFill>
+                  <a:srgbClr val="C00000"/>
+                </a:solidFill>
+              </a:rPr>
+              <a:t>dataset</a:t>
+            </a:r>
+            <a:endParaRPr lang="fr-FR" sz="4000" b="1" dirty="0">
+              <a:solidFill>
+                <a:srgbClr val="C00000"/>
+              </a:solidFill>
+            </a:endParaRPr>
+          </a:p>
+        </p:txBody>
+      </p:sp>
+      <p:sp>
+        <p:nvSpPr>
+          <p:cNvPr id="3" name="TextBox 2">
+            <a:extLst>
+              <a:ext uri="{FF2B5EF4-FFF2-40B4-BE49-F238E27FC236}">
+                <a16:creationId xmlns:a16="http://schemas.microsoft.com/office/drawing/2014/main" id="{D4DBFE7F-8A7E-4D8F-B9FC-F563B0B6BB10}"/>
+              </a:ext>
+            </a:extLst>
+          </p:cNvPr>
+          <p:cNvSpPr txBox="1"/>
+          <p:nvPr/>
+        </p:nvSpPr>
+        <p:spPr>
+          <a:xfrm>
+            <a:off x="5362464" y="1887556"/>
+            <a:ext cx="1467068" cy="461665"/>
+          </a:xfrm>
+          <a:prstGeom prst="rect">
+            <a:avLst/>
+          </a:prstGeom>
+          <a:noFill/>
+        </p:spPr>
+        <p:txBody>
+          <a:bodyPr wrap="none" rtlCol="0">
+            <a:spAutoFit/>
+          </a:bodyPr>
+          <a:lstStyle/>
+          <a:p>
+            <a:pPr algn="ctr"/>
+            <a:r>
+              <a:rPr lang="fr-FR" sz="2400" b="1" dirty="0"/>
+              <a:t>Ngoc VU</a:t>
+            </a:r>
+          </a:p>
+        </p:txBody>
+      </p:sp>
+      <p:sp>
+        <p:nvSpPr>
+          <p:cNvPr id="4" name="TextBox 3">
+            <a:extLst>
+              <a:ext uri="{FF2B5EF4-FFF2-40B4-BE49-F238E27FC236}">
+                <a16:creationId xmlns:a16="http://schemas.microsoft.com/office/drawing/2014/main" id="{4C0742DE-B7EF-8578-12C8-0DC08F55824C}"/>
+              </a:ext>
+            </a:extLst>
+          </p:cNvPr>
+          <p:cNvSpPr txBox="1"/>
+          <p:nvPr/>
+        </p:nvSpPr>
+        <p:spPr>
+          <a:xfrm>
+            <a:off x="5138846" y="2320098"/>
+            <a:ext cx="1914307" cy="461665"/>
+          </a:xfrm>
+          <a:prstGeom prst="rect">
+            <a:avLst/>
+          </a:prstGeom>
+          <a:noFill/>
+        </p:spPr>
+        <p:txBody>
+          <a:bodyPr wrap="none" rtlCol="0">
+            <a:spAutoFit/>
+          </a:bodyPr>
+          <a:lstStyle/>
+          <a:p>
+            <a:pPr algn="ctr"/>
+            <a:r>
+              <a:rPr lang="fr-FR" sz="2400" b="1" dirty="0"/>
+              <a:t>27 Jan 2026</a:t>
+            </a:r>
+          </a:p>
+        </p:txBody>
+      </p:sp>
+      <p:grpSp>
+        <p:nvGrpSpPr>
+          <p:cNvPr id="5" name="Group 4">
+            <a:extLst>
+              <a:ext uri="{FF2B5EF4-FFF2-40B4-BE49-F238E27FC236}">
+                <a16:creationId xmlns:a16="http://schemas.microsoft.com/office/drawing/2014/main" id="{65430E06-A441-C3EB-17CD-2F5611858B4A}"/>
+              </a:ext>
+            </a:extLst>
+          </p:cNvPr>
+          <p:cNvGrpSpPr/>
+          <p:nvPr/>
+        </p:nvGrpSpPr>
+        <p:grpSpPr>
+          <a:xfrm>
+            <a:off x="2209798" y="3095920"/>
+            <a:ext cx="7772400" cy="2760285"/>
+            <a:chOff x="3124912" y="1780243"/>
+            <a:chExt cx="7772400" cy="2760285"/>
+          </a:xfrm>
+        </p:grpSpPr>
+        <p:pic>
+          <p:nvPicPr>
+            <p:cNvPr id="6" name="Picture 5" descr="A screenshot of a computer&#10;&#10;AI-generated content may be incorrect.">
+              <a:extLst>
+                <a:ext uri="{FF2B5EF4-FFF2-40B4-BE49-F238E27FC236}">
+                  <a16:creationId xmlns:a16="http://schemas.microsoft.com/office/drawing/2014/main" id="{C0E0CF8D-89C8-E449-732F-AC3B936BBA26}"/>
+                </a:ext>
+              </a:extLst>
+            </p:cNvPr>
+            <p:cNvPicPr>
+              <a:picLocks noChangeAspect="1"/>
+            </p:cNvPicPr>
+            <p:nvPr/>
+          </p:nvPicPr>
+          <p:blipFill>
+            <a:blip r:embed="rId3">
+              <a:extLst>
+                <a:ext uri="{28A0092B-C50C-407E-A947-70E740481C1C}">
+                  <a14:useLocalDpi xmlns:a14="http://schemas.microsoft.com/office/drawing/2010/main" val="0"/>
+                </a:ext>
+              </a:extLst>
+            </a:blip>
+            <a:srcRect b="83118"/>
+            <a:stretch>
+              <a:fillRect/>
+            </a:stretch>
+          </p:blipFill>
+          <p:spPr>
+            <a:xfrm>
+              <a:off x="3124912" y="1780243"/>
+              <a:ext cx="7772400" cy="658184"/>
+            </a:xfrm>
+            <a:prstGeom prst="rect">
+              <a:avLst/>
+            </a:prstGeom>
+            <a:ln>
+              <a:solidFill>
+                <a:schemeClr val="tx1"/>
+              </a:solidFill>
+            </a:ln>
+          </p:spPr>
+        </p:pic>
+        <p:pic>
+          <p:nvPicPr>
+            <p:cNvPr id="7" name="Picture 6" descr="A screenshot of a computer&#10;&#10;AI-generated content may be incorrect.">
+              <a:extLst>
+                <a:ext uri="{FF2B5EF4-FFF2-40B4-BE49-F238E27FC236}">
+                  <a16:creationId xmlns:a16="http://schemas.microsoft.com/office/drawing/2014/main" id="{34750B25-5D31-D717-65B8-5EAA8AA832FB}"/>
+                </a:ext>
+              </a:extLst>
+            </p:cNvPr>
+            <p:cNvPicPr>
+              <a:picLocks noChangeAspect="1"/>
+            </p:cNvPicPr>
+            <p:nvPr/>
+          </p:nvPicPr>
+          <p:blipFill>
+            <a:blip r:embed="rId3">
+              <a:extLst>
+                <a:ext uri="{28A0092B-C50C-407E-A947-70E740481C1C}">
+                  <a14:useLocalDpi xmlns:a14="http://schemas.microsoft.com/office/drawing/2010/main" val="0"/>
+                </a:ext>
+              </a:extLst>
+            </a:blip>
+            <a:srcRect t="44857"/>
+            <a:stretch>
+              <a:fillRect/>
+            </a:stretch>
+          </p:blipFill>
+          <p:spPr>
+            <a:xfrm>
+              <a:off x="3124912" y="2390660"/>
+              <a:ext cx="7772400" cy="2149868"/>
+            </a:xfrm>
+            <a:prstGeom prst="rect">
+              <a:avLst/>
+            </a:prstGeom>
+            <a:ln>
+              <a:solidFill>
+                <a:schemeClr val="tx1"/>
+              </a:solidFill>
+            </a:ln>
+          </p:spPr>
+        </p:pic>
+      </p:grpSp>
     </p:spTree>
     <p:extLst>
       <p:ext uri="{BB962C8B-B14F-4D97-AF65-F5344CB8AC3E}">
@@ -3457,52 +4585,22 @@
           <a:chExt cx="0" cy="0"/>
         </a:xfrm>
       </p:grpSpPr>
-      <p:pic>
-        <p:nvPicPr>
-          <p:cNvPr id="5" name="Picture 4" descr="A screenshot of a number table&#10;&#10;AI-generated content may be incorrect.">
-            <a:extLst>
-              <a:ext uri="{FF2B5EF4-FFF2-40B4-BE49-F238E27FC236}">
-                <a16:creationId xmlns:a16="http://schemas.microsoft.com/office/drawing/2014/main" id="{45D9BACC-7E74-E5E0-05ED-0C310CDC8910}"/>
-              </a:ext>
-            </a:extLst>
-          </p:cNvPr>
-          <p:cNvPicPr>
-            <a:picLocks noChangeAspect="1"/>
-          </p:cNvPicPr>
+      <p:sp>
+        <p:nvSpPr>
+          <p:cNvPr id="2" name="TextBox 1">
+            <a:extLst>
+              <a:ext uri="{FF2B5EF4-FFF2-40B4-BE49-F238E27FC236}">
+                <a16:creationId xmlns:a16="http://schemas.microsoft.com/office/drawing/2014/main" id="{F2FD1103-3D67-E88E-6CF3-AE54CBD35A8D}"/>
+              </a:ext>
+            </a:extLst>
+          </p:cNvPr>
+          <p:cNvSpPr txBox="1"/>
           <p:nvPr/>
-        </p:nvPicPr>
-        <p:blipFill>
-          <a:blip r:embed="rId2"/>
-          <a:stretch>
-            <a:fillRect/>
-          </a:stretch>
-        </p:blipFill>
+        </p:nvSpPr>
         <p:spPr>
           <a:xfrm>
-            <a:off x="161339" y="2352852"/>
-            <a:ext cx="11869321" cy="3316428"/>
-          </a:xfrm>
-          <a:prstGeom prst="rect">
-            <a:avLst/>
-          </a:prstGeom>
-        </p:spPr>
-      </p:pic>
-      <p:sp>
-        <p:nvSpPr>
-          <p:cNvPr id="6" name="TextBox 5">
-            <a:extLst>
-              <a:ext uri="{FF2B5EF4-FFF2-40B4-BE49-F238E27FC236}">
-                <a16:creationId xmlns:a16="http://schemas.microsoft.com/office/drawing/2014/main" id="{64672B5B-F9FE-58AB-C24F-A2537592B99F}"/>
-              </a:ext>
-            </a:extLst>
-          </p:cNvPr>
-          <p:cNvSpPr txBox="1"/>
-          <p:nvPr/>
-        </p:nvSpPr>
-        <p:spPr>
-          <a:xfrm>
-            <a:off x="161339" y="1188720"/>
-            <a:ext cx="11381642" cy="830997"/>
+            <a:off x="430566" y="426763"/>
+            <a:ext cx="3233578" cy="584775"/>
           </a:xfrm>
           <a:prstGeom prst="rect">
             <a:avLst/>
@@ -3516,74 +4614,185 @@
           <a:lstStyle/>
           <a:p>
             <a:r>
-              <a:rPr lang="fr-FR" sz="2400" dirty="0" err="1"/>
-              <a:t>Developmental</a:t>
-            </a:r>
-            <a:r>
-              <a:rPr lang="fr-FR" sz="2400" dirty="0"/>
-              <a:t> stage and tissue distribution of </a:t>
-            </a:r>
-            <a:r>
-              <a:rPr lang="fr-FR" sz="2400" dirty="0" err="1"/>
-              <a:t>brain</a:t>
-            </a:r>
-            <a:r>
-              <a:rPr lang="fr-FR" sz="2400" dirty="0"/>
+              <a:rPr lang="fr-FR" sz="3200" b="1" dirty="0" err="1"/>
+              <a:t>Metadata</a:t>
+            </a:r>
+            <a:r>
+              <a:rPr lang="fr-FR" sz="3200" b="1" dirty="0"/>
+              <a:t> check</a:t>
+            </a:r>
+          </a:p>
+        </p:txBody>
+      </p:sp>
+      <p:sp>
+        <p:nvSpPr>
+          <p:cNvPr id="3" name="TextBox 2">
+            <a:extLst>
+              <a:ext uri="{FF2B5EF4-FFF2-40B4-BE49-F238E27FC236}">
+                <a16:creationId xmlns:a16="http://schemas.microsoft.com/office/drawing/2014/main" id="{ED820D06-F8A3-D250-A2D0-A74865EE0DB2}"/>
+              </a:ext>
+            </a:extLst>
+          </p:cNvPr>
+          <p:cNvSpPr txBox="1"/>
+          <p:nvPr/>
+        </p:nvSpPr>
+        <p:spPr>
+          <a:xfrm>
+            <a:off x="430566" y="1358750"/>
+            <a:ext cx="11027079" cy="1553182"/>
+          </a:xfrm>
+          <a:prstGeom prst="rect">
+            <a:avLst/>
+          </a:prstGeom>
+          <a:noFill/>
+        </p:spPr>
+        <p:txBody>
+          <a:bodyPr wrap="square" rtlCol="0">
+            <a:spAutoFit/>
+          </a:bodyPr>
+          <a:lstStyle/>
+          <a:p>
+            <a:pPr>
+              <a:lnSpc>
+                <a:spcPct val="150000"/>
+              </a:lnSpc>
+            </a:pPr>
+            <a:r>
+              <a:rPr lang="fr-FR" sz="2200" dirty="0" err="1"/>
+              <a:t>Two</a:t>
+            </a:r>
+            <a:r>
+              <a:rPr lang="fr-FR" sz="2200" dirty="0"/>
+              <a:t> sources of </a:t>
+            </a:r>
+            <a:r>
+              <a:rPr lang="fr-FR" sz="2200" dirty="0" err="1"/>
+              <a:t>metadata</a:t>
+            </a:r>
+            <a:r>
+              <a:rPr lang="fr-FR" sz="2200" dirty="0"/>
+              <a:t>: HDBR </a:t>
+            </a:r>
+            <a:r>
+              <a:rPr lang="fr-FR" sz="2200" dirty="0" err="1"/>
+              <a:t>website</a:t>
+            </a:r>
+            <a:r>
+              <a:rPr lang="fr-FR" sz="2200" dirty="0"/>
+              <a:t> &amp; EBI</a:t>
+            </a:r>
+          </a:p>
+          <a:p>
+            <a:pPr>
+              <a:lnSpc>
+                <a:spcPct val="150000"/>
+              </a:lnSpc>
+            </a:pPr>
+            <a:r>
+              <a:rPr lang="fr-FR" sz="2200" dirty="0"/>
+              <a:t>	- EBI </a:t>
+            </a:r>
+            <a:r>
+              <a:rPr lang="fr-FR" sz="2200" dirty="0" err="1"/>
+              <a:t>seems</a:t>
+            </a:r>
+            <a:r>
+              <a:rPr lang="fr-FR" sz="2200" dirty="0"/>
+              <a:t> to </a:t>
+            </a:r>
+            <a:r>
+              <a:rPr lang="fr-FR" sz="2200" dirty="0" err="1"/>
+              <a:t>be</a:t>
+            </a:r>
+            <a:r>
+              <a:rPr lang="fr-FR" sz="2200" dirty="0"/>
+              <a:t> more </a:t>
+            </a:r>
+            <a:r>
+              <a:rPr lang="fr-FR" sz="2200" dirty="0" err="1"/>
+              <a:t>updated</a:t>
+            </a:r>
+            <a:r>
+              <a:rPr lang="fr-FR" sz="2200" dirty="0"/>
+              <a:t>: 3 </a:t>
+            </a:r>
+            <a:r>
+              <a:rPr lang="fr-FR" sz="2200" dirty="0" err="1"/>
+              <a:t>individuals</a:t>
+            </a:r>
+            <a:r>
+              <a:rPr lang="fr-FR" sz="2200" dirty="0"/>
+              <a:t> more</a:t>
+            </a:r>
+          </a:p>
+          <a:p>
+            <a:pPr>
+              <a:lnSpc>
+                <a:spcPct val="150000"/>
+              </a:lnSpc>
+            </a:pPr>
+            <a:r>
+              <a:rPr lang="fr-FR" sz="2200" dirty="0"/>
+              <a:t>	- 17 </a:t>
+            </a:r>
+            <a:r>
+              <a:rPr lang="fr-FR" sz="2200" dirty="0" err="1"/>
+              <a:t>samples</a:t>
+            </a:r>
+            <a:r>
+              <a:rPr lang="fr-FR" sz="2200" dirty="0"/>
+              <a:t> are </a:t>
+            </a:r>
+            <a:r>
+              <a:rPr lang="fr-FR" sz="2200" dirty="0" err="1"/>
+              <a:t>sequenced</a:t>
+            </a:r>
+            <a:r>
+              <a:rPr lang="fr-FR" sz="2200" dirty="0"/>
+              <a:t> in 2 </a:t>
+            </a:r>
+            <a:r>
+              <a:rPr lang="fr-FR" sz="2200" dirty="0" err="1"/>
+              <a:t>different</a:t>
+            </a:r>
+            <a:r>
+              <a:rPr lang="fr-FR" sz="2200" dirty="0"/>
               <a:t> </a:t>
             </a:r>
             <a:r>
-              <a:rPr lang="fr-FR" sz="2400" dirty="0" err="1"/>
+              <a:rPr lang="fr-FR" sz="2200" dirty="0" err="1"/>
+              <a:t>batches</a:t>
+            </a:r>
+            <a:r>
+              <a:rPr lang="fr-FR" sz="2200" dirty="0"/>
+              <a:t> </a:t>
+            </a:r>
+            <a:r>
+              <a:rPr lang="fr-FR" sz="2200" dirty="0">
+                <a:sym typeface="Wingdings" pitchFamily="2" charset="2"/>
+              </a:rPr>
+              <a:t> 34 </a:t>
+            </a:r>
+            <a:r>
+              <a:rPr lang="fr-FR" sz="2200" dirty="0" err="1">
+                <a:sym typeface="Wingdings" pitchFamily="2" charset="2"/>
+              </a:rPr>
               <a:t>samples</a:t>
             </a:r>
             <a:r>
-              <a:rPr lang="fr-FR" sz="2400" dirty="0"/>
-              <a:t> in the HDBR </a:t>
-            </a:r>
-            <a:r>
-              <a:rPr lang="fr-FR" sz="2400" dirty="0" err="1"/>
-              <a:t>dataset</a:t>
-            </a:r>
-            <a:r>
-              <a:rPr lang="fr-FR" sz="2400" dirty="0"/>
-              <a:t> </a:t>
-            </a:r>
-          </a:p>
-          <a:p>
-            <a:r>
-              <a:rPr lang="fr-FR" sz="2400" dirty="0"/>
-              <a:t>(</a:t>
-            </a:r>
-            <a:r>
-              <a:rPr lang="fr-FR" sz="2400" dirty="0" err="1"/>
-              <a:t>unidentified</a:t>
-            </a:r>
-            <a:r>
-              <a:rPr lang="fr-FR" sz="2400" dirty="0"/>
-              <a:t> </a:t>
-            </a:r>
-            <a:r>
-              <a:rPr lang="fr-FR" sz="2400" dirty="0" err="1"/>
-              <a:t>samples</a:t>
-            </a:r>
-            <a:r>
-              <a:rPr lang="fr-FR" sz="2400" dirty="0"/>
-              <a:t> </a:t>
-            </a:r>
-            <a:r>
-              <a:rPr lang="fr-FR" sz="2400" dirty="0" err="1"/>
-              <a:t>excluded</a:t>
-            </a:r>
-            <a:r>
-              <a:rPr lang="fr-FR" sz="2400" dirty="0"/>
-              <a:t>)</a:t>
-            </a:r>
+              <a:rPr lang="fr-FR" sz="2200" dirty="0">
+                <a:sym typeface="Wingdings" pitchFamily="2" charset="2"/>
+              </a:rPr>
+              <a:t>?</a:t>
+            </a:r>
+            <a:endParaRPr lang="fr-FR" sz="2200" dirty="0"/>
           </a:p>
         </p:txBody>
       </p:sp>
     </p:spTree>
     <p:extLst>
       <p:ext uri="{BB962C8B-B14F-4D97-AF65-F5344CB8AC3E}">
-        <p14:creationId xmlns:p14="http://schemas.microsoft.com/office/powerpoint/2010/main" val="414349899"/>
+        <p14:creationId xmlns:p14="http://schemas.microsoft.com/office/powerpoint/2010/main" val="3857126564"/>
       </p:ext>
     </p:extLst>
   </p:cSld>
@@ -3610,10 +4819,427 @@
           <a:chExt cx="0" cy="0"/>
         </a:xfrm>
       </p:grpSpPr>
+      <p:sp>
+        <p:nvSpPr>
+          <p:cNvPr id="6" name="TextBox 5">
+            <a:extLst>
+              <a:ext uri="{FF2B5EF4-FFF2-40B4-BE49-F238E27FC236}">
+                <a16:creationId xmlns:a16="http://schemas.microsoft.com/office/drawing/2014/main" id="{64672B5B-F9FE-58AB-C24F-A2537592B99F}"/>
+              </a:ext>
+            </a:extLst>
+          </p:cNvPr>
+          <p:cNvSpPr txBox="1"/>
+          <p:nvPr/>
+        </p:nvSpPr>
+        <p:spPr>
+          <a:xfrm>
+            <a:off x="430566" y="3524214"/>
+            <a:ext cx="11410496" cy="430887"/>
+          </a:xfrm>
+          <a:prstGeom prst="rect">
+            <a:avLst/>
+          </a:prstGeom>
+          <a:noFill/>
+        </p:spPr>
+        <p:txBody>
+          <a:bodyPr wrap="none" rtlCol="0">
+            <a:spAutoFit/>
+          </a:bodyPr>
+          <a:lstStyle/>
+          <a:p>
+            <a:r>
+              <a:rPr lang="fr-FR" sz="2200" dirty="0" err="1"/>
+              <a:t>Developmental</a:t>
+            </a:r>
+            <a:r>
+              <a:rPr lang="fr-FR" sz="2200" dirty="0"/>
+              <a:t> stage and tissue distribution of </a:t>
+            </a:r>
+            <a:r>
+              <a:rPr lang="fr-FR" sz="2200" dirty="0" err="1"/>
+              <a:t>brain</a:t>
+            </a:r>
+            <a:r>
+              <a:rPr lang="fr-FR" sz="2200" dirty="0"/>
+              <a:t> </a:t>
+            </a:r>
+            <a:r>
+              <a:rPr lang="fr-FR" sz="2200" dirty="0" err="1"/>
+              <a:t>samples</a:t>
+            </a:r>
+            <a:r>
+              <a:rPr lang="fr-FR" sz="2200" dirty="0"/>
+              <a:t> </a:t>
+            </a:r>
+            <a:r>
+              <a:rPr lang="fr-FR" sz="2200" dirty="0" err="1"/>
+              <a:t>after</a:t>
+            </a:r>
+            <a:r>
+              <a:rPr lang="fr-FR" sz="2200" dirty="0"/>
+              <a:t> </a:t>
+            </a:r>
+            <a:r>
+              <a:rPr lang="fr-FR" sz="2200" dirty="0" err="1"/>
+              <a:t>filtering</a:t>
+            </a:r>
+            <a:r>
+              <a:rPr lang="fr-FR" sz="2200" dirty="0"/>
+              <a:t> (84 </a:t>
+            </a:r>
+            <a:r>
+              <a:rPr lang="fr-FR" sz="2200" dirty="0" err="1"/>
+              <a:t>individuals</a:t>
+            </a:r>
+            <a:r>
+              <a:rPr lang="fr-FR" sz="2200" dirty="0"/>
+              <a:t>)</a:t>
+            </a:r>
+          </a:p>
+        </p:txBody>
+      </p:sp>
+      <p:pic>
+        <p:nvPicPr>
+          <p:cNvPr id="9" name="Picture 8" descr="A number in a square&#10;&#10;AI-generated content may be incorrect.">
+            <a:extLst>
+              <a:ext uri="{FF2B5EF4-FFF2-40B4-BE49-F238E27FC236}">
+                <a16:creationId xmlns:a16="http://schemas.microsoft.com/office/drawing/2014/main" id="{99512C3A-DAD1-9D67-B7EE-CAFA20918056}"/>
+              </a:ext>
+            </a:extLst>
+          </p:cNvPr>
+          <p:cNvPicPr>
+            <a:picLocks noChangeAspect="1"/>
+          </p:cNvPicPr>
+          <p:nvPr/>
+        </p:nvPicPr>
+        <p:blipFill>
+          <a:blip r:embed="rId3">
+            <a:extLst>
+              <a:ext uri="{28A0092B-C50C-407E-A947-70E740481C1C}">
+                <a14:useLocalDpi xmlns:a14="http://schemas.microsoft.com/office/drawing/2010/main" val="0"/>
+              </a:ext>
+            </a:extLst>
+          </a:blip>
+          <a:stretch>
+            <a:fillRect/>
+          </a:stretch>
+        </p:blipFill>
+        <p:spPr>
+          <a:xfrm>
+            <a:off x="430566" y="3955101"/>
+            <a:ext cx="11582928" cy="1836187"/>
+          </a:xfrm>
+          <a:prstGeom prst="rect">
+            <a:avLst/>
+          </a:prstGeom>
+        </p:spPr>
+      </p:pic>
+      <p:sp>
+        <p:nvSpPr>
+          <p:cNvPr id="11" name="TextBox 10">
+            <a:extLst>
+              <a:ext uri="{FF2B5EF4-FFF2-40B4-BE49-F238E27FC236}">
+                <a16:creationId xmlns:a16="http://schemas.microsoft.com/office/drawing/2014/main" id="{4B19111A-EF0B-B964-2B76-5C2989C82018}"/>
+              </a:ext>
+            </a:extLst>
+          </p:cNvPr>
+          <p:cNvSpPr txBox="1"/>
+          <p:nvPr/>
+        </p:nvSpPr>
+        <p:spPr>
+          <a:xfrm>
+            <a:off x="430566" y="1346558"/>
+            <a:ext cx="11027079" cy="1446550"/>
+          </a:xfrm>
+          <a:prstGeom prst="rect">
+            <a:avLst/>
+          </a:prstGeom>
+          <a:noFill/>
+        </p:spPr>
+        <p:txBody>
+          <a:bodyPr wrap="square" rtlCol="0">
+            <a:spAutoFit/>
+          </a:bodyPr>
+          <a:lstStyle/>
+          <a:p>
+            <a:r>
+              <a:rPr lang="fr-FR" sz="2200" dirty="0" err="1"/>
+              <a:t>Filtering</a:t>
+            </a:r>
+            <a:r>
+              <a:rPr lang="fr-FR" sz="2200" dirty="0"/>
+              <a:t> </a:t>
+            </a:r>
+            <a:r>
+              <a:rPr lang="fr-FR" sz="2200" dirty="0" err="1"/>
+              <a:t>criteria</a:t>
+            </a:r>
+            <a:r>
+              <a:rPr lang="fr-FR" sz="2200" dirty="0"/>
+              <a:t>:</a:t>
+            </a:r>
+          </a:p>
+          <a:p>
+            <a:pPr marL="342900" indent="-342900">
+              <a:buFont typeface="Arial" panose="020B0604020202020204" pitchFamily="34" charset="0"/>
+              <a:buChar char="•"/>
+            </a:pPr>
+            <a:r>
+              <a:rPr lang="fr-FR" sz="2200" dirty="0" err="1"/>
+              <a:t>brain</a:t>
+            </a:r>
+            <a:r>
+              <a:rPr lang="fr-FR" sz="2200" dirty="0"/>
+              <a:t> fragments</a:t>
+            </a:r>
+          </a:p>
+          <a:p>
+            <a:pPr marL="342900" indent="-342900">
+              <a:buFont typeface="Arial" panose="020B0604020202020204" pitchFamily="34" charset="0"/>
+              <a:buChar char="•"/>
+            </a:pPr>
+            <a:r>
+              <a:rPr lang="fr-FR" sz="2200" dirty="0"/>
+              <a:t>mixed </a:t>
+            </a:r>
+            <a:r>
+              <a:rPr lang="fr-FR" sz="2200" dirty="0" err="1"/>
+              <a:t>samples</a:t>
+            </a:r>
+            <a:r>
+              <a:rPr lang="fr-FR" sz="2200" dirty="0"/>
+              <a:t> (</a:t>
+            </a:r>
+            <a:r>
+              <a:rPr lang="fr-FR" sz="2200" dirty="0" err="1"/>
+              <a:t>diencephalon</a:t>
+            </a:r>
+            <a:r>
+              <a:rPr lang="fr-FR" sz="2200" dirty="0"/>
+              <a:t> and </a:t>
+            </a:r>
+            <a:r>
+              <a:rPr lang="fr-FR" sz="2200" dirty="0" err="1"/>
+              <a:t>midbrain</a:t>
+            </a:r>
+            <a:r>
+              <a:rPr lang="fr-FR" sz="2200" dirty="0"/>
+              <a:t>, </a:t>
+            </a:r>
+            <a:r>
+              <a:rPr lang="fr-FR" sz="2200" dirty="0" err="1"/>
+              <a:t>diencephalon</a:t>
+            </a:r>
+            <a:r>
+              <a:rPr lang="fr-FR" sz="2200" dirty="0"/>
+              <a:t> and </a:t>
+            </a:r>
+            <a:r>
+              <a:rPr lang="fr-FR" sz="2200" dirty="0" err="1"/>
+              <a:t>pituitary</a:t>
+            </a:r>
+            <a:r>
+              <a:rPr lang="fr-FR" sz="2200" dirty="0"/>
+              <a:t>, </a:t>
+            </a:r>
+            <a:r>
+              <a:rPr lang="fr-FR" sz="2200" dirty="0" err="1"/>
+              <a:t>forebrain</a:t>
+            </a:r>
+            <a:r>
+              <a:rPr lang="fr-FR" sz="2200" dirty="0"/>
+              <a:t> and </a:t>
+            </a:r>
+            <a:r>
+              <a:rPr lang="fr-FR" sz="2200" dirty="0" err="1"/>
+              <a:t>midbrain</a:t>
+            </a:r>
+            <a:r>
+              <a:rPr lang="fr-FR" sz="2200" dirty="0"/>
+              <a:t>, </a:t>
+            </a:r>
+            <a:r>
+              <a:rPr lang="fr-FR" sz="2200" dirty="0" err="1"/>
+              <a:t>whole</a:t>
+            </a:r>
+            <a:r>
+              <a:rPr lang="fr-FR" sz="2200" dirty="0"/>
+              <a:t> </a:t>
+            </a:r>
+            <a:r>
+              <a:rPr lang="fr-FR" sz="2200" dirty="0" err="1"/>
+              <a:t>hindbrain</a:t>
+            </a:r>
+            <a:r>
+              <a:rPr lang="fr-FR" sz="2200" dirty="0"/>
+              <a:t> </a:t>
+            </a:r>
+            <a:r>
+              <a:rPr lang="fr-FR" sz="2200" dirty="0" err="1"/>
+              <a:t>without</a:t>
+            </a:r>
+            <a:r>
+              <a:rPr lang="fr-FR" sz="2200" dirty="0"/>
+              <a:t> </a:t>
+            </a:r>
+            <a:r>
+              <a:rPr lang="fr-FR" sz="2200" dirty="0" err="1"/>
+              <a:t>cerebellum</a:t>
+            </a:r>
+            <a:r>
+              <a:rPr lang="fr-FR" sz="2200" dirty="0"/>
+              <a:t>)</a:t>
+            </a:r>
+          </a:p>
+        </p:txBody>
+      </p:sp>
+      <p:sp>
+        <p:nvSpPr>
+          <p:cNvPr id="16" name="Down Arrow 15">
+            <a:extLst>
+              <a:ext uri="{FF2B5EF4-FFF2-40B4-BE49-F238E27FC236}">
+                <a16:creationId xmlns:a16="http://schemas.microsoft.com/office/drawing/2014/main" id="{7FF1184B-0A58-F1E2-E611-5A7DF6526CD2}"/>
+              </a:ext>
+            </a:extLst>
+          </p:cNvPr>
+          <p:cNvSpPr/>
+          <p:nvPr/>
+        </p:nvSpPr>
+        <p:spPr>
+          <a:xfrm>
+            <a:off x="1630740" y="2983813"/>
+            <a:ext cx="279084" cy="349696"/>
+          </a:xfrm>
+          <a:prstGeom prst="downArrow">
+            <a:avLst/>
+          </a:prstGeom>
+          <a:solidFill>
+            <a:schemeClr val="bg1">
+              <a:lumMod val="65000"/>
+            </a:schemeClr>
+          </a:solidFill>
+          <a:ln>
+            <a:noFill/>
+          </a:ln>
+        </p:spPr>
+        <p:style>
+          <a:lnRef idx="2">
+            <a:schemeClr val="accent1">
+              <a:shade val="15000"/>
+            </a:schemeClr>
+          </a:lnRef>
+          <a:fillRef idx="1">
+            <a:schemeClr val="accent1"/>
+          </a:fillRef>
+          <a:effectRef idx="0">
+            <a:schemeClr val="accent1"/>
+          </a:effectRef>
+          <a:fontRef idx="minor">
+            <a:schemeClr val="lt1"/>
+          </a:fontRef>
+        </p:style>
+        <p:txBody>
+          <a:bodyPr rtlCol="0" anchor="ctr"/>
+          <a:lstStyle/>
+          <a:p>
+            <a:pPr algn="ctr"/>
+            <a:endParaRPr sz="2200"/>
+          </a:p>
+        </p:txBody>
+      </p:sp>
+      <p:sp>
+        <p:nvSpPr>
+          <p:cNvPr id="17" name="TextBox 16">
+            <a:extLst>
+              <a:ext uri="{FF2B5EF4-FFF2-40B4-BE49-F238E27FC236}">
+                <a16:creationId xmlns:a16="http://schemas.microsoft.com/office/drawing/2014/main" id="{DD1269A0-1F0A-CDDA-4479-F1C6EAEBCFDD}"/>
+              </a:ext>
+            </a:extLst>
+          </p:cNvPr>
+          <p:cNvSpPr txBox="1"/>
+          <p:nvPr/>
+        </p:nvSpPr>
+        <p:spPr>
+          <a:xfrm>
+            <a:off x="430566" y="426763"/>
+            <a:ext cx="3531736" cy="584775"/>
+          </a:xfrm>
+          <a:prstGeom prst="rect">
+            <a:avLst/>
+          </a:prstGeom>
+          <a:noFill/>
+        </p:spPr>
+        <p:txBody>
+          <a:bodyPr wrap="none" rtlCol="0">
+            <a:spAutoFit/>
+          </a:bodyPr>
+          <a:lstStyle/>
+          <a:p>
+            <a:r>
+              <a:rPr lang="fr-FR" sz="3200" b="1" dirty="0" err="1"/>
+              <a:t>Sample</a:t>
+            </a:r>
+            <a:r>
+              <a:rPr lang="fr-FR" sz="3200" b="1" dirty="0"/>
+              <a:t> </a:t>
+            </a:r>
+            <a:r>
+              <a:rPr lang="fr-FR" sz="3200" b="1" dirty="0" err="1"/>
+              <a:t>selection</a:t>
+            </a:r>
+            <a:endParaRPr lang="fr-FR" sz="3200" b="1" dirty="0"/>
+          </a:p>
+        </p:txBody>
+      </p:sp>
+      <p:sp>
+        <p:nvSpPr>
+          <p:cNvPr id="19" name="TextBox 18">
+            <a:extLst>
+              <a:ext uri="{FF2B5EF4-FFF2-40B4-BE49-F238E27FC236}">
+                <a16:creationId xmlns:a16="http://schemas.microsoft.com/office/drawing/2014/main" id="{610201C2-C4CA-7F9A-9880-C32A1126F563}"/>
+              </a:ext>
+            </a:extLst>
+          </p:cNvPr>
+          <p:cNvSpPr txBox="1"/>
+          <p:nvPr/>
+        </p:nvSpPr>
+        <p:spPr>
+          <a:xfrm>
+            <a:off x="6096000" y="6488668"/>
+            <a:ext cx="6099858" cy="369332"/>
+          </a:xfrm>
+          <a:prstGeom prst="rect">
+            <a:avLst/>
+          </a:prstGeom>
+          <a:noFill/>
+        </p:spPr>
+        <p:txBody>
+          <a:bodyPr wrap="square">
+            <a:spAutoFit/>
+          </a:bodyPr>
+          <a:lstStyle/>
+          <a:p>
+            <a:pPr algn="r">
+              <a:buNone/>
+            </a:pPr>
+            <a:r>
+              <a:rPr lang="en-GB" i="1" dirty="0">
+                <a:solidFill>
+                  <a:srgbClr val="141413"/>
+                </a:solidFill>
+                <a:effectLst/>
+                <a:latin typeface="Arial" panose="020B0604020202020204" pitchFamily="34" charset="0"/>
+                <a:cs typeface="Arial" panose="020B0604020202020204" pitchFamily="34" charset="0"/>
+              </a:rPr>
+              <a:t>*samples where the precise region is unknown</a:t>
+            </a:r>
+          </a:p>
+        </p:txBody>
+      </p:sp>
     </p:spTree>
     <p:extLst>
       <p:ext uri="{BB962C8B-B14F-4D97-AF65-F5344CB8AC3E}">
-        <p14:creationId xmlns:p14="http://schemas.microsoft.com/office/powerpoint/2010/main" val="3857126564"/>
+        <p14:creationId xmlns:p14="http://schemas.microsoft.com/office/powerpoint/2010/main" val="414349899"/>
       </p:ext>
     </p:extLst>
   </p:cSld>
@@ -3640,10 +5266,243 @@
           <a:chExt cx="0" cy="0"/>
         </a:xfrm>
       </p:grpSpPr>
+      <p:pic>
+        <p:nvPicPr>
+          <p:cNvPr id="6" name="Picture 5">
+            <a:extLst>
+              <a:ext uri="{FF2B5EF4-FFF2-40B4-BE49-F238E27FC236}">
+                <a16:creationId xmlns:a16="http://schemas.microsoft.com/office/drawing/2014/main" id="{E7A3CD96-6765-2668-A5F1-B750ED802C93}"/>
+              </a:ext>
+            </a:extLst>
+          </p:cNvPr>
+          <p:cNvPicPr>
+            <a:picLocks noChangeAspect="1"/>
+          </p:cNvPicPr>
+          <p:nvPr/>
+        </p:nvPicPr>
+        <p:blipFill>
+          <a:blip r:embed="rId2"/>
+          <a:srcRect r="29475"/>
+          <a:stretch>
+            <a:fillRect/>
+          </a:stretch>
+        </p:blipFill>
+        <p:spPr>
+          <a:xfrm>
+            <a:off x="8768433" y="1862937"/>
+            <a:ext cx="3190321" cy="3134433"/>
+          </a:xfrm>
+          <a:prstGeom prst="rect">
+            <a:avLst/>
+          </a:prstGeom>
+        </p:spPr>
+      </p:pic>
+      <p:pic>
+        <p:nvPicPr>
+          <p:cNvPr id="8" name="Picture 7">
+            <a:extLst>
+              <a:ext uri="{FF2B5EF4-FFF2-40B4-BE49-F238E27FC236}">
+                <a16:creationId xmlns:a16="http://schemas.microsoft.com/office/drawing/2014/main" id="{CF24E445-2B32-72CF-451A-3D98D7216530}"/>
+              </a:ext>
+            </a:extLst>
+          </p:cNvPr>
+          <p:cNvPicPr>
+            <a:picLocks noChangeAspect="1"/>
+          </p:cNvPicPr>
+          <p:nvPr/>
+        </p:nvPicPr>
+        <p:blipFill>
+          <a:blip r:embed="rId3"/>
+          <a:stretch>
+            <a:fillRect/>
+          </a:stretch>
+        </p:blipFill>
+        <p:spPr>
+          <a:xfrm>
+            <a:off x="4967483" y="1862937"/>
+            <a:ext cx="3800950" cy="3134433"/>
+          </a:xfrm>
+          <a:prstGeom prst="rect">
+            <a:avLst/>
+          </a:prstGeom>
+        </p:spPr>
+      </p:pic>
+      <p:sp>
+        <p:nvSpPr>
+          <p:cNvPr id="10" name="TextBox 9">
+            <a:extLst>
+              <a:ext uri="{FF2B5EF4-FFF2-40B4-BE49-F238E27FC236}">
+                <a16:creationId xmlns:a16="http://schemas.microsoft.com/office/drawing/2014/main" id="{CAC1D124-740D-8763-8A52-D9A895B0B8E3}"/>
+              </a:ext>
+            </a:extLst>
+          </p:cNvPr>
+          <p:cNvSpPr txBox="1"/>
+          <p:nvPr/>
+        </p:nvSpPr>
+        <p:spPr>
+          <a:xfrm>
+            <a:off x="430566" y="426763"/>
+            <a:ext cx="3531736" cy="584775"/>
+          </a:xfrm>
+          <a:prstGeom prst="rect">
+            <a:avLst/>
+          </a:prstGeom>
+          <a:noFill/>
+        </p:spPr>
+        <p:txBody>
+          <a:bodyPr wrap="none" rtlCol="0">
+            <a:spAutoFit/>
+          </a:bodyPr>
+          <a:lstStyle/>
+          <a:p>
+            <a:r>
+              <a:rPr lang="fr-FR" sz="3200" b="1" dirty="0" err="1"/>
+              <a:t>Sample</a:t>
+            </a:r>
+            <a:r>
+              <a:rPr lang="fr-FR" sz="3200" b="1" dirty="0"/>
+              <a:t> </a:t>
+            </a:r>
+            <a:r>
+              <a:rPr lang="fr-FR" sz="3200" b="1" dirty="0" err="1"/>
+              <a:t>selection</a:t>
+            </a:r>
+            <a:endParaRPr lang="fr-FR" sz="3200" b="1" dirty="0"/>
+          </a:p>
+        </p:txBody>
+      </p:sp>
+      <p:sp>
+        <p:nvSpPr>
+          <p:cNvPr id="12" name="TextBox 11">
+            <a:extLst>
+              <a:ext uri="{FF2B5EF4-FFF2-40B4-BE49-F238E27FC236}">
+                <a16:creationId xmlns:a16="http://schemas.microsoft.com/office/drawing/2014/main" id="{52F798F2-FA45-8797-C5A6-7732C5078D8D}"/>
+              </a:ext>
+            </a:extLst>
+          </p:cNvPr>
+          <p:cNvSpPr txBox="1"/>
+          <p:nvPr/>
+        </p:nvSpPr>
+        <p:spPr>
+          <a:xfrm>
+            <a:off x="430566" y="1862937"/>
+            <a:ext cx="4178010" cy="1631216"/>
+          </a:xfrm>
+          <a:prstGeom prst="rect">
+            <a:avLst/>
+          </a:prstGeom>
+          <a:noFill/>
+        </p:spPr>
+        <p:txBody>
+          <a:bodyPr wrap="square">
+            <a:spAutoFit/>
+          </a:bodyPr>
+          <a:lstStyle/>
+          <a:p>
+            <a:pPr marL="0" marR="0" lvl="0" indent="0" algn="l" defTabSz="914400" rtl="0" eaLnBrk="1" fontAlgn="auto" latinLnBrk="0" hangingPunct="1">
+              <a:lnSpc>
+                <a:spcPct val="100000"/>
+              </a:lnSpc>
+              <a:spcBef>
+                <a:spcPts val="0"/>
+              </a:spcBef>
+              <a:spcAft>
+                <a:spcPts val="0"/>
+              </a:spcAft>
+              <a:buClrTx/>
+              <a:buSzTx/>
+              <a:buFontTx/>
+              <a:buNone/>
+              <a:tabLst/>
+              <a:defRPr/>
+            </a:pPr>
+            <a:r>
+              <a:rPr lang="fr-FR" sz="2000" dirty="0"/>
+              <a:t>84 </a:t>
+            </a:r>
+            <a:r>
+              <a:rPr lang="fr-FR" sz="2000" dirty="0" err="1"/>
+              <a:t>individuals</a:t>
+            </a:r>
+            <a:r>
+              <a:rPr lang="fr-FR" sz="2000" dirty="0"/>
+              <a:t> (65 </a:t>
+            </a:r>
+            <a:r>
+              <a:rPr lang="fr-FR" sz="2000" dirty="0" err="1"/>
+              <a:t>contributed</a:t>
+            </a:r>
+            <a:r>
+              <a:rPr lang="fr-FR" sz="2000" dirty="0"/>
+              <a:t> more </a:t>
+            </a:r>
+            <a:r>
+              <a:rPr lang="fr-FR" sz="2000" dirty="0" err="1"/>
+              <a:t>than</a:t>
+            </a:r>
+            <a:r>
+              <a:rPr lang="fr-FR" sz="2000" dirty="0"/>
+              <a:t> 1 </a:t>
+            </a:r>
+            <a:r>
+              <a:rPr lang="fr-FR" sz="2000" dirty="0" err="1"/>
+              <a:t>sample</a:t>
+            </a:r>
+            <a:r>
+              <a:rPr lang="fr-FR" sz="2000" dirty="0"/>
+              <a:t>, </a:t>
+            </a:r>
+            <a:r>
+              <a:rPr lang="en-GB" sz="2000" dirty="0"/>
+              <a:t>most commonly from the cerebral cortex)</a:t>
+            </a:r>
+          </a:p>
+          <a:p>
+            <a:pPr marL="0" marR="0" lvl="0" indent="0" algn="l" defTabSz="914400" rtl="0" eaLnBrk="1" fontAlgn="auto" latinLnBrk="0" hangingPunct="1">
+              <a:lnSpc>
+                <a:spcPct val="100000"/>
+              </a:lnSpc>
+              <a:spcBef>
+                <a:spcPts val="0"/>
+              </a:spcBef>
+              <a:spcAft>
+                <a:spcPts val="0"/>
+              </a:spcAft>
+              <a:buClrTx/>
+              <a:buSzTx/>
+              <a:buFontTx/>
+              <a:buNone/>
+              <a:tabLst/>
+              <a:defRPr/>
+            </a:pPr>
+            <a:endParaRPr lang="en-GB" sz="2000" dirty="0"/>
+          </a:p>
+          <a:p>
+            <a:pPr marL="0" marR="0" lvl="0" indent="0" algn="l" defTabSz="914400" rtl="0" eaLnBrk="1" fontAlgn="auto" latinLnBrk="0" hangingPunct="1">
+              <a:lnSpc>
+                <a:spcPct val="100000"/>
+              </a:lnSpc>
+              <a:spcBef>
+                <a:spcPts val="0"/>
+              </a:spcBef>
+              <a:spcAft>
+                <a:spcPts val="0"/>
+              </a:spcAft>
+              <a:buClrTx/>
+              <a:buSzTx/>
+              <a:buFontTx/>
+              <a:buNone/>
+              <a:tabLst/>
+              <a:defRPr/>
+            </a:pPr>
+            <a:endParaRPr lang="fr-FR" sz="2000" dirty="0"/>
+          </a:p>
+        </p:txBody>
+      </p:sp>
     </p:spTree>
     <p:extLst>
       <p:ext uri="{BB962C8B-B14F-4D97-AF65-F5344CB8AC3E}">
-        <p14:creationId xmlns:p14="http://schemas.microsoft.com/office/powerpoint/2010/main" val="3556616465"/>
+        <p14:creationId xmlns:p14="http://schemas.microsoft.com/office/powerpoint/2010/main" val="1992251771"/>
       </p:ext>
     </p:extLst>
   </p:cSld>
@@ -3654,6 +5513,314 @@
 </file>
 
 <file path=ppt/slides/slide5.xml><?xml version="1.0" encoding="utf-8"?>
+<p:sld xmlns:a="http://schemas.openxmlformats.org/drawingml/2006/main" xmlns:r="http://schemas.openxmlformats.org/officeDocument/2006/relationships" xmlns:p="http://schemas.openxmlformats.org/presentationml/2006/main">
+  <p:cSld>
+    <p:spTree>
+      <p:nvGrpSpPr>
+        <p:cNvPr id="1" name="">
+          <a:extLst>
+            <a:ext uri="{FF2B5EF4-FFF2-40B4-BE49-F238E27FC236}">
+              <a16:creationId xmlns:a16="http://schemas.microsoft.com/office/drawing/2014/main" id="{8C3E6BDA-E028-935E-B2D5-2EE679965AE3}"/>
+            </a:ext>
+          </a:extLst>
+        </p:cNvPr>
+        <p:cNvGrpSpPr/>
+        <p:nvPr/>
+      </p:nvGrpSpPr>
+      <p:grpSpPr>
+        <a:xfrm>
+          <a:off x="0" y="0"/>
+          <a:ext cx="0" cy="0"/>
+          <a:chOff x="0" y="0"/>
+          <a:chExt cx="0" cy="0"/>
+        </a:xfrm>
+      </p:grpSpPr>
+      <p:sp>
+        <p:nvSpPr>
+          <p:cNvPr id="7" name="TextBox 6">
+            <a:extLst>
+              <a:ext uri="{FF2B5EF4-FFF2-40B4-BE49-F238E27FC236}">
+                <a16:creationId xmlns:a16="http://schemas.microsoft.com/office/drawing/2014/main" id="{C3D997A1-2254-20D2-CE99-60B2E1E56D33}"/>
+              </a:ext>
+            </a:extLst>
+          </p:cNvPr>
+          <p:cNvSpPr txBox="1"/>
+          <p:nvPr/>
+        </p:nvSpPr>
+        <p:spPr>
+          <a:xfrm>
+            <a:off x="430566" y="1223790"/>
+            <a:ext cx="5170005" cy="3347840"/>
+          </a:xfrm>
+          <a:prstGeom prst="rect">
+            <a:avLst/>
+          </a:prstGeom>
+          <a:noFill/>
+        </p:spPr>
+        <p:txBody>
+          <a:bodyPr wrap="none" rtlCol="0">
+            <a:spAutoFit/>
+          </a:bodyPr>
+          <a:lstStyle/>
+          <a:p>
+            <a:pPr marL="342900" indent="-342900">
+              <a:lnSpc>
+                <a:spcPct val="150000"/>
+              </a:lnSpc>
+              <a:buFont typeface="Arial" panose="020B0604020202020204" pitchFamily="34" charset="0"/>
+              <a:buChar char="•"/>
+            </a:pPr>
+            <a:r>
+              <a:rPr lang="fr-FR" sz="2400" dirty="0" err="1"/>
+              <a:t>Metadata</a:t>
+            </a:r>
+            <a:r>
+              <a:rPr lang="fr-FR" sz="2400" dirty="0"/>
+              <a:t> check, </a:t>
+            </a:r>
+            <a:r>
+              <a:rPr lang="fr-FR" sz="2400" dirty="0" err="1"/>
+              <a:t>sample</a:t>
+            </a:r>
+            <a:r>
+              <a:rPr lang="fr-FR" sz="2400" dirty="0"/>
+              <a:t> </a:t>
+            </a:r>
+            <a:r>
+              <a:rPr lang="fr-FR" sz="2400" dirty="0" err="1"/>
+              <a:t>selection</a:t>
+            </a:r>
+            <a:endParaRPr lang="fr-FR" sz="2400" dirty="0"/>
+          </a:p>
+          <a:p>
+            <a:pPr lvl="1">
+              <a:lnSpc>
+                <a:spcPct val="150000"/>
+              </a:lnSpc>
+            </a:pPr>
+            <a:r>
+              <a:rPr lang="fr-FR" sz="2400" dirty="0">
+                <a:solidFill>
+                  <a:schemeClr val="bg2">
+                    <a:lumMod val="50000"/>
+                  </a:schemeClr>
+                </a:solidFill>
+              </a:rPr>
+              <a:t>- Check </a:t>
+            </a:r>
+            <a:r>
+              <a:rPr lang="fr-FR" sz="2400" dirty="0" err="1">
+                <a:solidFill>
+                  <a:schemeClr val="bg2">
+                    <a:lumMod val="50000"/>
+                  </a:schemeClr>
+                </a:solidFill>
+              </a:rPr>
+              <a:t>duplicated</a:t>
+            </a:r>
+            <a:r>
+              <a:rPr lang="fr-FR" sz="2400" dirty="0">
+                <a:solidFill>
+                  <a:schemeClr val="bg2">
+                    <a:lumMod val="50000"/>
+                  </a:schemeClr>
+                </a:solidFill>
+              </a:rPr>
+              <a:t> </a:t>
+            </a:r>
+            <a:r>
+              <a:rPr lang="fr-FR" sz="2400" dirty="0" err="1">
+                <a:solidFill>
+                  <a:schemeClr val="bg2">
+                    <a:lumMod val="50000"/>
+                  </a:schemeClr>
+                </a:solidFill>
+              </a:rPr>
+              <a:t>batches</a:t>
+            </a:r>
+            <a:r>
+              <a:rPr lang="fr-FR" sz="2400" dirty="0">
+                <a:solidFill>
+                  <a:schemeClr val="bg2">
+                    <a:lumMod val="50000"/>
+                  </a:schemeClr>
+                </a:solidFill>
+              </a:rPr>
+              <a:t>?</a:t>
+            </a:r>
+          </a:p>
+          <a:p>
+            <a:pPr marL="342900" indent="-342900">
+              <a:lnSpc>
+                <a:spcPct val="150000"/>
+              </a:lnSpc>
+              <a:buFont typeface="Arial" panose="020B0604020202020204" pitchFamily="34" charset="0"/>
+              <a:buChar char="•"/>
+            </a:pPr>
+            <a:r>
+              <a:rPr lang="fr-FR" sz="2400" dirty="0" err="1">
+                <a:solidFill>
+                  <a:schemeClr val="bg2">
+                    <a:lumMod val="50000"/>
+                  </a:schemeClr>
+                </a:solidFill>
+              </a:rPr>
+              <a:t>Quality</a:t>
+            </a:r>
+            <a:r>
+              <a:rPr lang="fr-FR" sz="2400" dirty="0">
+                <a:solidFill>
+                  <a:schemeClr val="bg2">
+                    <a:lumMod val="50000"/>
+                  </a:schemeClr>
+                </a:solidFill>
+              </a:rPr>
+              <a:t> control</a:t>
+            </a:r>
+          </a:p>
+          <a:p>
+            <a:pPr lvl="1">
+              <a:lnSpc>
+                <a:spcPct val="150000"/>
+              </a:lnSpc>
+            </a:pPr>
+            <a:r>
+              <a:rPr lang="fr-FR" sz="2400" dirty="0">
+                <a:solidFill>
+                  <a:schemeClr val="bg2">
+                    <a:lumMod val="50000"/>
+                  </a:schemeClr>
+                </a:solidFill>
+              </a:rPr>
+              <a:t>- PCA</a:t>
+            </a:r>
+          </a:p>
+          <a:p>
+            <a:pPr lvl="1">
+              <a:lnSpc>
+                <a:spcPct val="150000"/>
+              </a:lnSpc>
+            </a:pPr>
+            <a:r>
+              <a:rPr lang="fr-FR" sz="2400" dirty="0">
+                <a:solidFill>
+                  <a:schemeClr val="bg1">
+                    <a:lumMod val="75000"/>
+                  </a:schemeClr>
+                </a:solidFill>
+              </a:rPr>
+              <a:t>- </a:t>
+            </a:r>
+            <a:r>
+              <a:rPr lang="fr-FR" sz="2400" dirty="0" err="1">
+                <a:solidFill>
+                  <a:schemeClr val="bg1">
+                    <a:lumMod val="75000"/>
+                  </a:schemeClr>
+                </a:solidFill>
+              </a:rPr>
+              <a:t>Deconvolution</a:t>
+            </a:r>
+            <a:endParaRPr lang="fr-FR" sz="2400" dirty="0">
+              <a:solidFill>
+                <a:schemeClr val="bg1">
+                  <a:lumMod val="75000"/>
+                </a:schemeClr>
+              </a:solidFill>
+            </a:endParaRPr>
+          </a:p>
+          <a:p>
+            <a:pPr marL="342900" indent="-342900">
+              <a:lnSpc>
+                <a:spcPct val="150000"/>
+              </a:lnSpc>
+              <a:buFont typeface="Arial" panose="020B0604020202020204" pitchFamily="34" charset="0"/>
+              <a:buChar char="•"/>
+            </a:pPr>
+            <a:r>
+              <a:rPr lang="fr-FR" sz="2400" dirty="0">
+                <a:solidFill>
+                  <a:schemeClr val="bg1">
+                    <a:lumMod val="75000"/>
+                  </a:schemeClr>
+                </a:solidFill>
+              </a:rPr>
+              <a:t>DGE </a:t>
+            </a:r>
+            <a:r>
+              <a:rPr lang="fr-FR" sz="2400" dirty="0" err="1">
+                <a:solidFill>
+                  <a:schemeClr val="bg1">
+                    <a:lumMod val="75000"/>
+                  </a:schemeClr>
+                </a:solidFill>
+              </a:rPr>
+              <a:t>analysis</a:t>
+            </a:r>
+            <a:endParaRPr lang="fr-FR" sz="2400" dirty="0">
+              <a:solidFill>
+                <a:schemeClr val="bg1">
+                  <a:lumMod val="75000"/>
+                </a:schemeClr>
+              </a:solidFill>
+            </a:endParaRPr>
+          </a:p>
+        </p:txBody>
+      </p:sp>
+      <p:sp>
+        <p:nvSpPr>
+          <p:cNvPr id="2" name="TextBox 1">
+            <a:extLst>
+              <a:ext uri="{FF2B5EF4-FFF2-40B4-BE49-F238E27FC236}">
+                <a16:creationId xmlns:a16="http://schemas.microsoft.com/office/drawing/2014/main" id="{62DB93DA-9D9C-4382-EA58-6576EC39517F}"/>
+              </a:ext>
+            </a:extLst>
+          </p:cNvPr>
+          <p:cNvSpPr txBox="1"/>
+          <p:nvPr/>
+        </p:nvSpPr>
+        <p:spPr>
+          <a:xfrm>
+            <a:off x="430566" y="426763"/>
+            <a:ext cx="2255746" cy="584775"/>
+          </a:xfrm>
+          <a:prstGeom prst="rect">
+            <a:avLst/>
+          </a:prstGeom>
+          <a:noFill/>
+        </p:spPr>
+        <p:txBody>
+          <a:bodyPr wrap="none" rtlCol="0">
+            <a:spAutoFit/>
+          </a:bodyPr>
+          <a:lstStyle/>
+          <a:p>
+            <a:r>
+              <a:rPr lang="fr-FR" sz="3200" b="1" dirty="0"/>
+              <a:t>Next </a:t>
+            </a:r>
+            <a:r>
+              <a:rPr lang="fr-FR" sz="3200" b="1" dirty="0" err="1"/>
+              <a:t>steps</a:t>
+            </a:r>
+            <a:endParaRPr lang="fr-FR" sz="3200" b="1" dirty="0"/>
+          </a:p>
+        </p:txBody>
+      </p:sp>
+    </p:spTree>
+    <p:extLst>
+      <p:ext uri="{BB962C8B-B14F-4D97-AF65-F5344CB8AC3E}">
+        <p14:creationId xmlns:p14="http://schemas.microsoft.com/office/powerpoint/2010/main" val="1863006869"/>
+      </p:ext>
+    </p:extLst>
+  </p:cSld>
+  <p:clrMapOvr>
+    <a:masterClrMapping/>
+  </p:clrMapOvr>
+</p:sld>
+</file>
+
+<file path=ppt/slides/slide6.xml><?xml version="1.0" encoding="utf-8"?>
 <p:sld xmlns:a="http://schemas.openxmlformats.org/drawingml/2006/main" xmlns:r="http://schemas.openxmlformats.org/officeDocument/2006/relationships" xmlns:p="http://schemas.openxmlformats.org/presentationml/2006/main">
   <p:cSld>
     <p:spTree>
@@ -3670,10 +5837,46 @@
           <a:chExt cx="0" cy="0"/>
         </a:xfrm>
       </p:grpSpPr>
+      <p:pic>
+        <p:nvPicPr>
+          <p:cNvPr id="8" name="Picture 7" descr="A table with numbers and numbers&#10;&#10;AI-generated content may be incorrect.">
+            <a:extLst>
+              <a:ext uri="{FF2B5EF4-FFF2-40B4-BE49-F238E27FC236}">
+                <a16:creationId xmlns:a16="http://schemas.microsoft.com/office/drawing/2014/main" id="{7B05539C-CB24-0988-7314-35C0396D1BF7}"/>
+              </a:ext>
+            </a:extLst>
+          </p:cNvPr>
+          <p:cNvPicPr>
+            <a:picLocks noChangeAspect="1"/>
+          </p:cNvPicPr>
+          <p:nvPr/>
+        </p:nvPicPr>
+        <p:blipFill>
+          <a:blip r:embed="rId2">
+            <a:extLst>
+              <a:ext uri="{28A0092B-C50C-407E-A947-70E740481C1C}">
+                <a14:useLocalDpi xmlns:a14="http://schemas.microsoft.com/office/drawing/2010/main" val="0"/>
+              </a:ext>
+            </a:extLst>
+          </a:blip>
+          <a:stretch>
+            <a:fillRect/>
+          </a:stretch>
+        </p:blipFill>
+        <p:spPr>
+          <a:xfrm>
+            <a:off x="13149" y="1053348"/>
+            <a:ext cx="12178851" cy="4751303"/>
+          </a:xfrm>
+          <a:prstGeom prst="rect">
+            <a:avLst/>
+          </a:prstGeom>
+        </p:spPr>
+      </p:pic>
     </p:spTree>
     <p:extLst>
       <p:ext uri="{BB962C8B-B14F-4D97-AF65-F5344CB8AC3E}">
-        <p14:creationId xmlns:p14="http://schemas.microsoft.com/office/powerpoint/2010/main" val="1992251771"/>
+        <p14:creationId xmlns:p14="http://schemas.microsoft.com/office/powerpoint/2010/main" val="3288012489"/>
       </p:ext>
     </p:extLst>
   </p:cSld>
@@ -3962,4 +6165,319 @@
     </a:ext>
   </a:extLst>
 </a:theme>
+</file>
+
+<file path=ppt/theme/theme2.xml><?xml version="1.0" encoding="utf-8"?>
+<a:theme xmlns:a="http://schemas.openxmlformats.org/drawingml/2006/main" name="Office Theme">
+  <a:themeElements>
+    <a:clrScheme name="Office">
+      <a:dk1>
+        <a:sysClr val="windowText" lastClr="000000"/>
+      </a:dk1>
+      <a:lt1>
+        <a:sysClr val="window" lastClr="FFFFFF"/>
+      </a:lt1>
+      <a:dk2>
+        <a:srgbClr val="0E2841"/>
+      </a:dk2>
+      <a:lt2>
+        <a:srgbClr val="E8E8E8"/>
+      </a:lt2>
+      <a:accent1>
+        <a:srgbClr val="156082"/>
+      </a:accent1>
+      <a:accent2>
+        <a:srgbClr val="E97132"/>
+      </a:accent2>
+      <a:accent3>
+        <a:srgbClr val="196B24"/>
+      </a:accent3>
+      <a:accent4>
+        <a:srgbClr val="0F9ED5"/>
+      </a:accent4>
+      <a:accent5>
+        <a:srgbClr val="A02B93"/>
+      </a:accent5>
+      <a:accent6>
+        <a:srgbClr val="4EA72E"/>
+      </a:accent6>
+      <a:hlink>
+        <a:srgbClr val="467886"/>
+      </a:hlink>
+      <a:folHlink>
+        <a:srgbClr val="96607D"/>
+      </a:folHlink>
+    </a:clrScheme>
+    <a:fontScheme name="Office">
+      <a:majorFont>
+        <a:latin typeface="Aptos Display" panose="02110004020202020204"/>
+        <a:ea typeface=""/>
+        <a:cs typeface=""/>
+        <a:font script="Jpan" typeface="游ゴシック Light"/>
+        <a:font script="Hang" typeface="맑은 고딕"/>
+        <a:font script="Hans" typeface="等线 Light"/>
+        <a:font script="Hant" typeface="新細明體"/>
+        <a:font script="Arab" typeface="Times New Roman"/>
+        <a:font script="Hebr" typeface="Times New Roman"/>
+        <a:font script="Thai" typeface="Angsana New"/>
+        <a:font script="Ethi" typeface="Nyala"/>
+        <a:font script="Beng" typeface="Vrinda"/>
+        <a:font script="Gujr" typeface="Shruti"/>
+        <a:font script="Khmr" typeface="MoolBoran"/>
+        <a:font script="Knda" typeface="Tunga"/>
+        <a:font script="Guru" typeface="Raavi"/>
+        <a:font script="Cans" typeface="Euphemia"/>
+        <a:font script="Cher" typeface="Plantagenet Cherokee"/>
+        <a:font script="Yiii" typeface="Microsoft Yi Baiti"/>
+        <a:font script="Tibt" typeface="Microsoft Himalaya"/>
+        <a:font script="Thaa" typeface="MV Boli"/>
+        <a:font script="Deva" typeface="Mangal"/>
+        <a:font script="Telu" typeface="Gautami"/>
+        <a:font script="Taml" typeface="Latha"/>
+        <a:font script="Syrc" typeface="Estrangelo Edessa"/>
+        <a:font script="Orya" typeface="Kalinga"/>
+        <a:font script="Mlym" typeface="Kartika"/>
+        <a:font script="Laoo" typeface="DokChampa"/>
+        <a:font script="Sinh" typeface="Iskoola Pota"/>
+        <a:font script="Mong" typeface="Mongolian Baiti"/>
+        <a:font script="Viet" typeface="Times New Roman"/>
+        <a:font script="Uigh" typeface="Microsoft Uighur"/>
+        <a:font script="Geor" typeface="Sylfaen"/>
+        <a:font script="Armn" typeface="Arial"/>
+        <a:font script="Bugi" typeface="Leelawadee UI"/>
+        <a:font script="Bopo" typeface="Microsoft JhengHei"/>
+        <a:font script="Java" typeface="Javanese Text"/>
+        <a:font script="Lisu" typeface="Segoe UI"/>
+        <a:font script="Mymr" typeface="Myanmar Text"/>
+        <a:font script="Nkoo" typeface="Ebrima"/>
+        <a:font script="Olck" typeface="Nirmala UI"/>
+        <a:font script="Osma" typeface="Ebrima"/>
+        <a:font script="Phag" typeface="Phagspa"/>
+        <a:font script="Syrn" typeface="Estrangelo Edessa"/>
+        <a:font script="Syrj" typeface="Estrangelo Edessa"/>
+        <a:font script="Syre" typeface="Estrangelo Edessa"/>
+        <a:font script="Sora" typeface="Nirmala UI"/>
+        <a:font script="Tale" typeface="Microsoft Tai Le"/>
+        <a:font script="Talu" typeface="Microsoft New Tai Lue"/>
+        <a:font script="Tfng" typeface="Ebrima"/>
+      </a:majorFont>
+      <a:minorFont>
+        <a:latin typeface="Aptos" panose="02110004020202020204"/>
+        <a:ea typeface=""/>
+        <a:cs typeface=""/>
+        <a:font script="Jpan" typeface="游ゴシック"/>
+        <a:font script="Hang" typeface="맑은 고딕"/>
+        <a:font script="Hans" typeface="等线"/>
+        <a:font script="Hant" typeface="新細明體"/>
+        <a:font script="Arab" typeface="Arial"/>
+        <a:font script="Hebr" typeface="Arial"/>
+        <a:font script="Thai" typeface="Cordia New"/>
+        <a:font script="Ethi" typeface="Nyala"/>
+        <a:font script="Beng" typeface="Vrinda"/>
+        <a:font script="Gujr" typeface="Shruti"/>
+        <a:font script="Khmr" typeface="DaunPenh"/>
+        <a:font script="Knda" typeface="Tunga"/>
+        <a:font script="Guru" typeface="Raavi"/>
+        <a:font script="Cans" typeface="Euphemia"/>
+        <a:font script="Cher" typeface="Plantagenet Cherokee"/>
+        <a:font script="Yiii" typeface="Microsoft Yi Baiti"/>
+        <a:font script="Tibt" typeface="Microsoft Himalaya"/>
+        <a:font script="Thaa" typeface="MV Boli"/>
+        <a:font script="Deva" typeface="Mangal"/>
+        <a:font script="Telu" typeface="Gautami"/>
+        <a:font script="Taml" typeface="Latha"/>
+        <a:font script="Syrc" typeface="Estrangelo Edessa"/>
+        <a:font script="Orya" typeface="Kalinga"/>
+        <a:font script="Mlym" typeface="Kartika"/>
+        <a:font script="Laoo" typeface="DokChampa"/>
+        <a:font script="Sinh" typeface="Iskoola Pota"/>
+        <a:font script="Mong" typeface="Mongolian Baiti"/>
+        <a:font script="Viet" typeface="Arial"/>
+        <a:font script="Uigh" typeface="Microsoft Uighur"/>
+        <a:font script="Geor" typeface="Sylfaen"/>
+        <a:font script="Armn" typeface="Arial"/>
+        <a:font script="Bugi" typeface="Leelawadee UI"/>
+        <a:font script="Bopo" typeface="Microsoft JhengHei"/>
+        <a:font script="Java" typeface="Javanese Text"/>
+        <a:font script="Lisu" typeface="Segoe UI"/>
+        <a:font script="Mymr" typeface="Myanmar Text"/>
+        <a:font script="Nkoo" typeface="Ebrima"/>
+        <a:font script="Olck" typeface="Nirmala UI"/>
+        <a:font script="Osma" typeface="Ebrima"/>
+        <a:font script="Phag" typeface="Phagspa"/>
+        <a:font script="Syrn" typeface="Estrangelo Edessa"/>
+        <a:font script="Syrj" typeface="Estrangelo Edessa"/>
+        <a:font script="Syre" typeface="Estrangelo Edessa"/>
+        <a:font script="Sora" typeface="Nirmala UI"/>
+        <a:font script="Tale" typeface="Microsoft Tai Le"/>
+        <a:font script="Talu" typeface="Microsoft New Tai Lue"/>
+        <a:font script="Tfng" typeface="Ebrima"/>
+      </a:minorFont>
+    </a:fontScheme>
+    <a:fmtScheme name="Office">
+      <a:fillStyleLst>
+        <a:solidFill>
+          <a:schemeClr val="phClr"/>
+        </a:solidFill>
+        <a:gradFill rotWithShape="1">
+          <a:gsLst>
+            <a:gs pos="0">
+              <a:schemeClr val="phClr">
+                <a:lumMod val="110000"/>
+                <a:satMod val="105000"/>
+                <a:tint val="67000"/>
+              </a:schemeClr>
+            </a:gs>
+            <a:gs pos="50000">
+              <a:schemeClr val="phClr">
+                <a:lumMod val="105000"/>
+                <a:satMod val="103000"/>
+                <a:tint val="73000"/>
+              </a:schemeClr>
+            </a:gs>
+            <a:gs pos="100000">
+              <a:schemeClr val="phClr">
+                <a:lumMod val="105000"/>
+                <a:satMod val="109000"/>
+                <a:tint val="81000"/>
+              </a:schemeClr>
+            </a:gs>
+          </a:gsLst>
+          <a:lin ang="5400000" scaled="0"/>
+        </a:gradFill>
+        <a:gradFill rotWithShape="1">
+          <a:gsLst>
+            <a:gs pos="0">
+              <a:schemeClr val="phClr">
+                <a:satMod val="103000"/>
+                <a:lumMod val="102000"/>
+                <a:tint val="94000"/>
+              </a:schemeClr>
+            </a:gs>
+            <a:gs pos="50000">
+              <a:schemeClr val="phClr">
+                <a:satMod val="110000"/>
+                <a:lumMod val="100000"/>
+                <a:shade val="100000"/>
+              </a:schemeClr>
+            </a:gs>
+            <a:gs pos="100000">
+              <a:schemeClr val="phClr">
+                <a:lumMod val="99000"/>
+                <a:satMod val="120000"/>
+                <a:shade val="78000"/>
+              </a:schemeClr>
+            </a:gs>
+          </a:gsLst>
+          <a:lin ang="5400000" scaled="0"/>
+        </a:gradFill>
+      </a:fillStyleLst>
+      <a:lnStyleLst>
+        <a:ln w="12700" cap="flat" cmpd="sng" algn="ctr">
+          <a:solidFill>
+            <a:schemeClr val="phClr"/>
+          </a:solidFill>
+          <a:prstDash val="solid"/>
+          <a:miter lim="800000"/>
+        </a:ln>
+        <a:ln w="19050" cap="flat" cmpd="sng" algn="ctr">
+          <a:solidFill>
+            <a:schemeClr val="phClr"/>
+          </a:solidFill>
+          <a:prstDash val="solid"/>
+          <a:miter lim="800000"/>
+        </a:ln>
+        <a:ln w="25400" cap="flat" cmpd="sng" algn="ctr">
+          <a:solidFill>
+            <a:schemeClr val="phClr"/>
+          </a:solidFill>
+          <a:prstDash val="solid"/>
+          <a:miter lim="800000"/>
+        </a:ln>
+      </a:lnStyleLst>
+      <a:effectStyleLst>
+        <a:effectStyle>
+          <a:effectLst/>
+        </a:effectStyle>
+        <a:effectStyle>
+          <a:effectLst/>
+        </a:effectStyle>
+        <a:effectStyle>
+          <a:effectLst>
+            <a:outerShdw blurRad="57150" dist="19050" dir="5400000" algn="ctr" rotWithShape="0">
+              <a:srgbClr val="000000">
+                <a:alpha val="63000"/>
+              </a:srgbClr>
+            </a:outerShdw>
+          </a:effectLst>
+        </a:effectStyle>
+      </a:effectStyleLst>
+      <a:bgFillStyleLst>
+        <a:solidFill>
+          <a:schemeClr val="phClr"/>
+        </a:solidFill>
+        <a:solidFill>
+          <a:schemeClr val="phClr">
+            <a:tint val="95000"/>
+            <a:satMod val="170000"/>
+          </a:schemeClr>
+        </a:solidFill>
+        <a:gradFill rotWithShape="1">
+          <a:gsLst>
+            <a:gs pos="0">
+              <a:schemeClr val="phClr">
+                <a:tint val="93000"/>
+                <a:satMod val="150000"/>
+                <a:shade val="98000"/>
+                <a:lumMod val="102000"/>
+              </a:schemeClr>
+            </a:gs>
+            <a:gs pos="50000">
+              <a:schemeClr val="phClr">
+                <a:tint val="98000"/>
+                <a:satMod val="130000"/>
+                <a:shade val="90000"/>
+                <a:lumMod val="103000"/>
+              </a:schemeClr>
+            </a:gs>
+            <a:gs pos="100000">
+              <a:schemeClr val="phClr">
+                <a:shade val="63000"/>
+                <a:satMod val="120000"/>
+              </a:schemeClr>
+            </a:gs>
+          </a:gsLst>
+          <a:lin ang="5400000" scaled="0"/>
+        </a:gradFill>
+      </a:bgFillStyleLst>
+    </a:fmtScheme>
+  </a:themeElements>
+  <a:objectDefaults>
+    <a:lnDef>
+      <a:spPr/>
+      <a:bodyPr/>
+      <a:lstStyle/>
+      <a:style>
+        <a:lnRef idx="2">
+          <a:schemeClr val="accent1"/>
+        </a:lnRef>
+        <a:fillRef idx="0">
+          <a:schemeClr val="accent1"/>
+        </a:fillRef>
+        <a:effectRef idx="1">
+          <a:schemeClr val="accent1"/>
+        </a:effectRef>
+        <a:fontRef idx="minor">
+          <a:schemeClr val="tx1"/>
+        </a:fontRef>
+      </a:style>
+    </a:lnDef>
+  </a:objectDefaults>
+  <a:extraClrSchemeLst/>
+  <a:extLst>
+    <a:ext uri="{05A4C25C-085E-4340-85A3-A5531E510DB2}">
+      <thm15:themeFamily xmlns:thm15="http://schemas.microsoft.com/office/thememl/2012/main" name="Office Theme" id="{2E142A2C-CD16-42D6-873A-C26D2A0506FA}" vid="{1BDDFF52-6CD6-40A5-AB3C-68EB2F1E4D0A}"/>
+    </a:ext>
+  </a:extLst>
+</a:theme>
 </file>